--- a/프론트엔드기초(PPT)/CSS3 3강_CSS 박스모델_part1.pptx
+++ b/프론트엔드기초(PPT)/CSS3 3강_CSS 박스모델_part1.pptx
@@ -126,6 +126,22 @@
       </a:defRPr>
     </a:lvl9pPr>
   </p:defaultTextStyle>
+  <p:extLst>
+    <p:ext uri="{EFAFB233-063F-42B5-8137-9DF3F51BA10A}">
+      <p15:sldGuideLst xmlns:p15="http://schemas.microsoft.com/office/powerpoint/2012/main">
+        <p15:guide id="1" orient="horz" pos="2160">
+          <p15:clr>
+            <a:srgbClr val="A4A3A4"/>
+          </p15:clr>
+        </p15:guide>
+        <p15:guide id="2" pos="2880">
+          <p15:clr>
+            <a:srgbClr val="A4A3A4"/>
+          </p15:clr>
+        </p15:guide>
+      </p15:sldGuideLst>
+    </p:ext>
+  </p:extLst>
 </p:presentation>
 </file>
 
@@ -167,10 +183,9 @@
           <a:lstStyle/>
           <a:p>
             <a:r>
-              <a:rPr lang="ko-KR" altLang="en-US" smtClean="0"/>
+              <a:rPr lang="ko-KR" altLang="en-US"/>
               <a:t>마스터 제목 스타일 편집</a:t>
             </a:r>
-            <a:endParaRPr lang="ko-KR" altLang="en-US"/>
           </a:p>
         </p:txBody>
       </p:sp>
@@ -286,10 +301,9 @@
           </a:lstStyle>
           <a:p>
             <a:r>
-              <a:rPr lang="ko-KR" altLang="en-US" smtClean="0"/>
+              <a:rPr lang="ko-KR" altLang="en-US"/>
               <a:t>마스터 부제목 스타일 편집</a:t>
             </a:r>
-            <a:endParaRPr lang="ko-KR" altLang="en-US"/>
           </a:p>
         </p:txBody>
       </p:sp>
@@ -310,7 +324,7 @@
           <a:p>
             <a:fld id="{FB30EDBD-1C2D-4C1E-B459-B60219FAB484}" type="datetimeFigureOut">
               <a:rPr lang="ko-KR" altLang="en-US" smtClean="0"/>
-              <a:t>2020-10-02</a:t>
+              <a:t>2021-10-12</a:t>
             </a:fld>
             <a:endParaRPr lang="ko-KR" altLang="en-US"/>
           </a:p>
@@ -399,10 +413,9 @@
           <a:lstStyle/>
           <a:p>
             <a:r>
-              <a:rPr lang="ko-KR" altLang="en-US" smtClean="0"/>
+              <a:rPr lang="ko-KR" altLang="en-US"/>
               <a:t>마스터 제목 스타일 편집</a:t>
             </a:r>
-            <a:endParaRPr lang="ko-KR" altLang="en-US"/>
           </a:p>
         </p:txBody>
       </p:sp>
@@ -423,38 +436,37 @@
           <a:p>
             <a:pPr lvl="0"/>
             <a:r>
-              <a:rPr lang="ko-KR" altLang="en-US" smtClean="0"/>
+              <a:rPr lang="ko-KR" altLang="en-US"/>
               <a:t>마스터 텍스트 스타일을 편집합니다</a:t>
             </a:r>
           </a:p>
           <a:p>
             <a:pPr lvl="1"/>
             <a:r>
-              <a:rPr lang="ko-KR" altLang="en-US" smtClean="0"/>
+              <a:rPr lang="ko-KR" altLang="en-US"/>
               <a:t>둘째 수준</a:t>
             </a:r>
           </a:p>
           <a:p>
             <a:pPr lvl="2"/>
             <a:r>
-              <a:rPr lang="ko-KR" altLang="en-US" smtClean="0"/>
+              <a:rPr lang="ko-KR" altLang="en-US"/>
               <a:t>셋째 수준</a:t>
             </a:r>
           </a:p>
           <a:p>
             <a:pPr lvl="3"/>
             <a:r>
-              <a:rPr lang="ko-KR" altLang="en-US" smtClean="0"/>
+              <a:rPr lang="ko-KR" altLang="en-US"/>
               <a:t>넷째 수준</a:t>
             </a:r>
           </a:p>
           <a:p>
             <a:pPr lvl="4"/>
             <a:r>
-              <a:rPr lang="ko-KR" altLang="en-US" smtClean="0"/>
+              <a:rPr lang="ko-KR" altLang="en-US"/>
               <a:t>다섯째 수준</a:t>
             </a:r>
-            <a:endParaRPr lang="ko-KR" altLang="en-US"/>
           </a:p>
         </p:txBody>
       </p:sp>
@@ -475,7 +487,7 @@
           <a:p>
             <a:fld id="{FB30EDBD-1C2D-4C1E-B459-B60219FAB484}" type="datetimeFigureOut">
               <a:rPr lang="ko-KR" altLang="en-US" smtClean="0"/>
-              <a:t>2020-10-02</a:t>
+              <a:t>2021-10-12</a:t>
             </a:fld>
             <a:endParaRPr lang="ko-KR" altLang="en-US"/>
           </a:p>
@@ -569,10 +581,9 @@
           <a:lstStyle/>
           <a:p>
             <a:r>
-              <a:rPr lang="ko-KR" altLang="en-US" smtClean="0"/>
+              <a:rPr lang="ko-KR" altLang="en-US"/>
               <a:t>마스터 제목 스타일 편집</a:t>
             </a:r>
-            <a:endParaRPr lang="ko-KR" altLang="en-US"/>
           </a:p>
         </p:txBody>
       </p:sp>
@@ -598,38 +609,37 @@
           <a:p>
             <a:pPr lvl="0"/>
             <a:r>
-              <a:rPr lang="ko-KR" altLang="en-US" smtClean="0"/>
+              <a:rPr lang="ko-KR" altLang="en-US"/>
               <a:t>마스터 텍스트 스타일을 편집합니다</a:t>
             </a:r>
           </a:p>
           <a:p>
             <a:pPr lvl="1"/>
             <a:r>
-              <a:rPr lang="ko-KR" altLang="en-US" smtClean="0"/>
+              <a:rPr lang="ko-KR" altLang="en-US"/>
               <a:t>둘째 수준</a:t>
             </a:r>
           </a:p>
           <a:p>
             <a:pPr lvl="2"/>
             <a:r>
-              <a:rPr lang="ko-KR" altLang="en-US" smtClean="0"/>
+              <a:rPr lang="ko-KR" altLang="en-US"/>
               <a:t>셋째 수준</a:t>
             </a:r>
           </a:p>
           <a:p>
             <a:pPr lvl="3"/>
             <a:r>
-              <a:rPr lang="ko-KR" altLang="en-US" smtClean="0"/>
+              <a:rPr lang="ko-KR" altLang="en-US"/>
               <a:t>넷째 수준</a:t>
             </a:r>
           </a:p>
           <a:p>
             <a:pPr lvl="4"/>
             <a:r>
-              <a:rPr lang="ko-KR" altLang="en-US" smtClean="0"/>
+              <a:rPr lang="ko-KR" altLang="en-US"/>
               <a:t>다섯째 수준</a:t>
             </a:r>
-            <a:endParaRPr lang="ko-KR" altLang="en-US"/>
           </a:p>
         </p:txBody>
       </p:sp>
@@ -650,7 +660,7 @@
           <a:p>
             <a:fld id="{FB30EDBD-1C2D-4C1E-B459-B60219FAB484}" type="datetimeFigureOut">
               <a:rPr lang="ko-KR" altLang="en-US" smtClean="0"/>
-              <a:t>2020-10-02</a:t>
+              <a:t>2021-10-12</a:t>
             </a:fld>
             <a:endParaRPr lang="ko-KR" altLang="en-US"/>
           </a:p>
@@ -739,10 +749,9 @@
           <a:lstStyle/>
           <a:p>
             <a:r>
-              <a:rPr lang="ko-KR" altLang="en-US" smtClean="0"/>
+              <a:rPr lang="ko-KR" altLang="en-US"/>
               <a:t>마스터 제목 스타일 편집</a:t>
             </a:r>
-            <a:endParaRPr lang="ko-KR" altLang="en-US"/>
           </a:p>
         </p:txBody>
       </p:sp>
@@ -763,38 +772,37 @@
           <a:p>
             <a:pPr lvl="0"/>
             <a:r>
-              <a:rPr lang="ko-KR" altLang="en-US" smtClean="0"/>
+              <a:rPr lang="ko-KR" altLang="en-US"/>
               <a:t>마스터 텍스트 스타일을 편집합니다</a:t>
             </a:r>
           </a:p>
           <a:p>
             <a:pPr lvl="1"/>
             <a:r>
-              <a:rPr lang="ko-KR" altLang="en-US" smtClean="0"/>
+              <a:rPr lang="ko-KR" altLang="en-US"/>
               <a:t>둘째 수준</a:t>
             </a:r>
           </a:p>
           <a:p>
             <a:pPr lvl="2"/>
             <a:r>
-              <a:rPr lang="ko-KR" altLang="en-US" smtClean="0"/>
+              <a:rPr lang="ko-KR" altLang="en-US"/>
               <a:t>셋째 수준</a:t>
             </a:r>
           </a:p>
           <a:p>
             <a:pPr lvl="3"/>
             <a:r>
-              <a:rPr lang="ko-KR" altLang="en-US" smtClean="0"/>
+              <a:rPr lang="ko-KR" altLang="en-US"/>
               <a:t>넷째 수준</a:t>
             </a:r>
           </a:p>
           <a:p>
             <a:pPr lvl="4"/>
             <a:r>
-              <a:rPr lang="ko-KR" altLang="en-US" smtClean="0"/>
+              <a:rPr lang="ko-KR" altLang="en-US"/>
               <a:t>다섯째 수준</a:t>
             </a:r>
-            <a:endParaRPr lang="ko-KR" altLang="en-US"/>
           </a:p>
         </p:txBody>
       </p:sp>
@@ -815,7 +823,7 @@
           <a:p>
             <a:fld id="{FB30EDBD-1C2D-4C1E-B459-B60219FAB484}" type="datetimeFigureOut">
               <a:rPr lang="ko-KR" altLang="en-US" smtClean="0"/>
-              <a:t>2020-10-02</a:t>
+              <a:t>2021-10-12</a:t>
             </a:fld>
             <a:endParaRPr lang="ko-KR" altLang="en-US"/>
           </a:p>
@@ -913,10 +921,9 @@
           </a:lstStyle>
           <a:p>
             <a:r>
-              <a:rPr lang="ko-KR" altLang="en-US" smtClean="0"/>
+              <a:rPr lang="ko-KR" altLang="en-US"/>
               <a:t>마스터 제목 스타일 편집</a:t>
             </a:r>
-            <a:endParaRPr lang="ko-KR" altLang="en-US"/>
           </a:p>
         </p:txBody>
       </p:sp>
@@ -1033,7 +1040,7 @@
           <a:p>
             <a:pPr lvl="0"/>
             <a:r>
-              <a:rPr lang="ko-KR" altLang="en-US" smtClean="0"/>
+              <a:rPr lang="ko-KR" altLang="en-US"/>
               <a:t>마스터 텍스트 스타일을 편집합니다</a:t>
             </a:r>
           </a:p>
@@ -1056,7 +1063,7 @@
           <a:p>
             <a:fld id="{FB30EDBD-1C2D-4C1E-B459-B60219FAB484}" type="datetimeFigureOut">
               <a:rPr lang="ko-KR" altLang="en-US" smtClean="0"/>
-              <a:t>2020-10-02</a:t>
+              <a:t>2021-10-12</a:t>
             </a:fld>
             <a:endParaRPr lang="ko-KR" altLang="en-US"/>
           </a:p>
@@ -1145,10 +1152,9 @@
           <a:lstStyle/>
           <a:p>
             <a:r>
-              <a:rPr lang="ko-KR" altLang="en-US" smtClean="0"/>
+              <a:rPr lang="ko-KR" altLang="en-US"/>
               <a:t>마스터 제목 스타일 편집</a:t>
             </a:r>
-            <a:endParaRPr lang="ko-KR" altLang="en-US"/>
           </a:p>
         </p:txBody>
       </p:sp>
@@ -1202,38 +1208,37 @@
           <a:p>
             <a:pPr lvl="0"/>
             <a:r>
-              <a:rPr lang="ko-KR" altLang="en-US" smtClean="0"/>
+              <a:rPr lang="ko-KR" altLang="en-US"/>
               <a:t>마스터 텍스트 스타일을 편집합니다</a:t>
             </a:r>
           </a:p>
           <a:p>
             <a:pPr lvl="1"/>
             <a:r>
-              <a:rPr lang="ko-KR" altLang="en-US" smtClean="0"/>
+              <a:rPr lang="ko-KR" altLang="en-US"/>
               <a:t>둘째 수준</a:t>
             </a:r>
           </a:p>
           <a:p>
             <a:pPr lvl="2"/>
             <a:r>
-              <a:rPr lang="ko-KR" altLang="en-US" smtClean="0"/>
+              <a:rPr lang="ko-KR" altLang="en-US"/>
               <a:t>셋째 수준</a:t>
             </a:r>
           </a:p>
           <a:p>
             <a:pPr lvl="3"/>
             <a:r>
-              <a:rPr lang="ko-KR" altLang="en-US" smtClean="0"/>
+              <a:rPr lang="ko-KR" altLang="en-US"/>
               <a:t>넷째 수준</a:t>
             </a:r>
           </a:p>
           <a:p>
             <a:pPr lvl="4"/>
             <a:r>
-              <a:rPr lang="ko-KR" altLang="en-US" smtClean="0"/>
+              <a:rPr lang="ko-KR" altLang="en-US"/>
               <a:t>다섯째 수준</a:t>
             </a:r>
-            <a:endParaRPr lang="ko-KR" altLang="en-US"/>
           </a:p>
         </p:txBody>
       </p:sp>
@@ -1287,38 +1292,37 @@
           <a:p>
             <a:pPr lvl="0"/>
             <a:r>
-              <a:rPr lang="ko-KR" altLang="en-US" smtClean="0"/>
+              <a:rPr lang="ko-KR" altLang="en-US"/>
               <a:t>마스터 텍스트 스타일을 편집합니다</a:t>
             </a:r>
           </a:p>
           <a:p>
             <a:pPr lvl="1"/>
             <a:r>
-              <a:rPr lang="ko-KR" altLang="en-US" smtClean="0"/>
+              <a:rPr lang="ko-KR" altLang="en-US"/>
               <a:t>둘째 수준</a:t>
             </a:r>
           </a:p>
           <a:p>
             <a:pPr lvl="2"/>
             <a:r>
-              <a:rPr lang="ko-KR" altLang="en-US" smtClean="0"/>
+              <a:rPr lang="ko-KR" altLang="en-US"/>
               <a:t>셋째 수준</a:t>
             </a:r>
           </a:p>
           <a:p>
             <a:pPr lvl="3"/>
             <a:r>
-              <a:rPr lang="ko-KR" altLang="en-US" smtClean="0"/>
+              <a:rPr lang="ko-KR" altLang="en-US"/>
               <a:t>넷째 수준</a:t>
             </a:r>
           </a:p>
           <a:p>
             <a:pPr lvl="4"/>
             <a:r>
-              <a:rPr lang="ko-KR" altLang="en-US" smtClean="0"/>
+              <a:rPr lang="ko-KR" altLang="en-US"/>
               <a:t>다섯째 수준</a:t>
             </a:r>
-            <a:endParaRPr lang="ko-KR" altLang="en-US"/>
           </a:p>
         </p:txBody>
       </p:sp>
@@ -1339,7 +1343,7 @@
           <a:p>
             <a:fld id="{FB30EDBD-1C2D-4C1E-B459-B60219FAB484}" type="datetimeFigureOut">
               <a:rPr lang="ko-KR" altLang="en-US" smtClean="0"/>
-              <a:t>2020-10-02</a:t>
+              <a:t>2021-10-12</a:t>
             </a:fld>
             <a:endParaRPr lang="ko-KR" altLang="en-US"/>
           </a:p>
@@ -1432,10 +1436,9 @@
           </a:lstStyle>
           <a:p>
             <a:r>
-              <a:rPr lang="ko-KR" altLang="en-US" smtClean="0"/>
+              <a:rPr lang="ko-KR" altLang="en-US"/>
               <a:t>마스터 제목 스타일 편집</a:t>
             </a:r>
-            <a:endParaRPr lang="ko-KR" altLang="en-US"/>
           </a:p>
         </p:txBody>
       </p:sp>
@@ -1498,7 +1501,7 @@
           <a:p>
             <a:pPr lvl="0"/>
             <a:r>
-              <a:rPr lang="ko-KR" altLang="en-US" smtClean="0"/>
+              <a:rPr lang="ko-KR" altLang="en-US"/>
               <a:t>마스터 텍스트 스타일을 편집합니다</a:t>
             </a:r>
           </a:p>
@@ -1554,38 +1557,37 @@
           <a:p>
             <a:pPr lvl="0"/>
             <a:r>
-              <a:rPr lang="ko-KR" altLang="en-US" smtClean="0"/>
+              <a:rPr lang="ko-KR" altLang="en-US"/>
               <a:t>마스터 텍스트 스타일을 편집합니다</a:t>
             </a:r>
           </a:p>
           <a:p>
             <a:pPr lvl="1"/>
             <a:r>
-              <a:rPr lang="ko-KR" altLang="en-US" smtClean="0"/>
+              <a:rPr lang="ko-KR" altLang="en-US"/>
               <a:t>둘째 수준</a:t>
             </a:r>
           </a:p>
           <a:p>
             <a:pPr lvl="2"/>
             <a:r>
-              <a:rPr lang="ko-KR" altLang="en-US" smtClean="0"/>
+              <a:rPr lang="ko-KR" altLang="en-US"/>
               <a:t>셋째 수준</a:t>
             </a:r>
           </a:p>
           <a:p>
             <a:pPr lvl="3"/>
             <a:r>
-              <a:rPr lang="ko-KR" altLang="en-US" smtClean="0"/>
+              <a:rPr lang="ko-KR" altLang="en-US"/>
               <a:t>넷째 수준</a:t>
             </a:r>
           </a:p>
           <a:p>
             <a:pPr lvl="4"/>
             <a:r>
-              <a:rPr lang="ko-KR" altLang="en-US" smtClean="0"/>
+              <a:rPr lang="ko-KR" altLang="en-US"/>
               <a:t>다섯째 수준</a:t>
             </a:r>
-            <a:endParaRPr lang="ko-KR" altLang="en-US"/>
           </a:p>
         </p:txBody>
       </p:sp>
@@ -1648,7 +1650,7 @@
           <a:p>
             <a:pPr lvl="0"/>
             <a:r>
-              <a:rPr lang="ko-KR" altLang="en-US" smtClean="0"/>
+              <a:rPr lang="ko-KR" altLang="en-US"/>
               <a:t>마스터 텍스트 스타일을 편집합니다</a:t>
             </a:r>
           </a:p>
@@ -1704,38 +1706,37 @@
           <a:p>
             <a:pPr lvl="0"/>
             <a:r>
-              <a:rPr lang="ko-KR" altLang="en-US" smtClean="0"/>
+              <a:rPr lang="ko-KR" altLang="en-US"/>
               <a:t>마스터 텍스트 스타일을 편집합니다</a:t>
             </a:r>
           </a:p>
           <a:p>
             <a:pPr lvl="1"/>
             <a:r>
-              <a:rPr lang="ko-KR" altLang="en-US" smtClean="0"/>
+              <a:rPr lang="ko-KR" altLang="en-US"/>
               <a:t>둘째 수준</a:t>
             </a:r>
           </a:p>
           <a:p>
             <a:pPr lvl="2"/>
             <a:r>
-              <a:rPr lang="ko-KR" altLang="en-US" smtClean="0"/>
+              <a:rPr lang="ko-KR" altLang="en-US"/>
               <a:t>셋째 수준</a:t>
             </a:r>
           </a:p>
           <a:p>
             <a:pPr lvl="3"/>
             <a:r>
-              <a:rPr lang="ko-KR" altLang="en-US" smtClean="0"/>
+              <a:rPr lang="ko-KR" altLang="en-US"/>
               <a:t>넷째 수준</a:t>
             </a:r>
           </a:p>
           <a:p>
             <a:pPr lvl="4"/>
             <a:r>
-              <a:rPr lang="ko-KR" altLang="en-US" smtClean="0"/>
+              <a:rPr lang="ko-KR" altLang="en-US"/>
               <a:t>다섯째 수준</a:t>
             </a:r>
-            <a:endParaRPr lang="ko-KR" altLang="en-US"/>
           </a:p>
         </p:txBody>
       </p:sp>
@@ -1756,7 +1757,7 @@
           <a:p>
             <a:fld id="{FB30EDBD-1C2D-4C1E-B459-B60219FAB484}" type="datetimeFigureOut">
               <a:rPr lang="ko-KR" altLang="en-US" smtClean="0"/>
-              <a:t>2020-10-02</a:t>
+              <a:t>2021-10-12</a:t>
             </a:fld>
             <a:endParaRPr lang="ko-KR" altLang="en-US"/>
           </a:p>
@@ -1845,10 +1846,9 @@
           <a:lstStyle/>
           <a:p>
             <a:r>
-              <a:rPr lang="ko-KR" altLang="en-US" smtClean="0"/>
+              <a:rPr lang="ko-KR" altLang="en-US"/>
               <a:t>마스터 제목 스타일 편집</a:t>
             </a:r>
-            <a:endParaRPr lang="ko-KR" altLang="en-US"/>
           </a:p>
         </p:txBody>
       </p:sp>
@@ -1869,7 +1869,7 @@
           <a:p>
             <a:fld id="{FB30EDBD-1C2D-4C1E-B459-B60219FAB484}" type="datetimeFigureOut">
               <a:rPr lang="ko-KR" altLang="en-US" smtClean="0"/>
-              <a:t>2020-10-02</a:t>
+              <a:t>2021-10-12</a:t>
             </a:fld>
             <a:endParaRPr lang="ko-KR" altLang="en-US"/>
           </a:p>
@@ -1959,7 +1959,7 @@
           <a:p>
             <a:fld id="{FB30EDBD-1C2D-4C1E-B459-B60219FAB484}" type="datetimeFigureOut">
               <a:rPr lang="ko-KR" altLang="en-US" smtClean="0"/>
-              <a:t>2020-10-02</a:t>
+              <a:t>2021-10-12</a:t>
             </a:fld>
             <a:endParaRPr lang="ko-KR" altLang="en-US"/>
           </a:p>
@@ -2057,10 +2057,9 @@
           </a:lstStyle>
           <a:p>
             <a:r>
-              <a:rPr lang="ko-KR" altLang="en-US" smtClean="0"/>
+              <a:rPr lang="ko-KR" altLang="en-US"/>
               <a:t>마스터 제목 스타일 편집</a:t>
             </a:r>
-            <a:endParaRPr lang="ko-KR" altLang="en-US"/>
           </a:p>
         </p:txBody>
       </p:sp>
@@ -2114,38 +2113,37 @@
           <a:p>
             <a:pPr lvl="0"/>
             <a:r>
-              <a:rPr lang="ko-KR" altLang="en-US" smtClean="0"/>
+              <a:rPr lang="ko-KR" altLang="en-US"/>
               <a:t>마스터 텍스트 스타일을 편집합니다</a:t>
             </a:r>
           </a:p>
           <a:p>
             <a:pPr lvl="1"/>
             <a:r>
-              <a:rPr lang="ko-KR" altLang="en-US" smtClean="0"/>
+              <a:rPr lang="ko-KR" altLang="en-US"/>
               <a:t>둘째 수준</a:t>
             </a:r>
           </a:p>
           <a:p>
             <a:pPr lvl="2"/>
             <a:r>
-              <a:rPr lang="ko-KR" altLang="en-US" smtClean="0"/>
+              <a:rPr lang="ko-KR" altLang="en-US"/>
               <a:t>셋째 수준</a:t>
             </a:r>
           </a:p>
           <a:p>
             <a:pPr lvl="3"/>
             <a:r>
-              <a:rPr lang="ko-KR" altLang="en-US" smtClean="0"/>
+              <a:rPr lang="ko-KR" altLang="en-US"/>
               <a:t>넷째 수준</a:t>
             </a:r>
           </a:p>
           <a:p>
             <a:pPr lvl="4"/>
             <a:r>
-              <a:rPr lang="ko-KR" altLang="en-US" smtClean="0"/>
+              <a:rPr lang="ko-KR" altLang="en-US"/>
               <a:t>다섯째 수준</a:t>
             </a:r>
-            <a:endParaRPr lang="ko-KR" altLang="en-US"/>
           </a:p>
         </p:txBody>
       </p:sp>
@@ -2208,7 +2206,7 @@
           <a:p>
             <a:pPr lvl="0"/>
             <a:r>
-              <a:rPr lang="ko-KR" altLang="en-US" smtClean="0"/>
+              <a:rPr lang="ko-KR" altLang="en-US"/>
               <a:t>마스터 텍스트 스타일을 편집합니다</a:t>
             </a:r>
           </a:p>
@@ -2231,7 +2229,7 @@
           <a:p>
             <a:fld id="{FB30EDBD-1C2D-4C1E-B459-B60219FAB484}" type="datetimeFigureOut">
               <a:rPr lang="ko-KR" altLang="en-US" smtClean="0"/>
-              <a:t>2020-10-02</a:t>
+              <a:t>2021-10-12</a:t>
             </a:fld>
             <a:endParaRPr lang="ko-KR" altLang="en-US"/>
           </a:p>
@@ -2329,10 +2327,9 @@
           </a:lstStyle>
           <a:p>
             <a:r>
-              <a:rPr lang="ko-KR" altLang="en-US" smtClean="0"/>
+              <a:rPr lang="ko-KR" altLang="en-US"/>
               <a:t>마스터 제목 스타일 편집</a:t>
             </a:r>
-            <a:endParaRPr lang="ko-KR" altLang="en-US"/>
           </a:p>
         </p:txBody>
       </p:sp>
@@ -2456,7 +2453,7 @@
           <a:p>
             <a:pPr lvl="0"/>
             <a:r>
-              <a:rPr lang="ko-KR" altLang="en-US" smtClean="0"/>
+              <a:rPr lang="ko-KR" altLang="en-US"/>
               <a:t>마스터 텍스트 스타일을 편집합니다</a:t>
             </a:r>
           </a:p>
@@ -2479,7 +2476,7 @@
           <a:p>
             <a:fld id="{FB30EDBD-1C2D-4C1E-B459-B60219FAB484}" type="datetimeFigureOut">
               <a:rPr lang="ko-KR" altLang="en-US" smtClean="0"/>
-              <a:t>2020-10-02</a:t>
+              <a:t>2021-10-12</a:t>
             </a:fld>
             <a:endParaRPr lang="ko-KR" altLang="en-US"/>
           </a:p>
@@ -2583,10 +2580,9 @@
           <a:lstStyle/>
           <a:p>
             <a:r>
-              <a:rPr lang="ko-KR" altLang="en-US" smtClean="0"/>
+              <a:rPr lang="ko-KR" altLang="en-US"/>
               <a:t>마스터 제목 스타일 편집</a:t>
             </a:r>
-            <a:endParaRPr lang="ko-KR" altLang="en-US"/>
           </a:p>
         </p:txBody>
       </p:sp>
@@ -2617,38 +2613,37 @@
           <a:p>
             <a:pPr lvl="0"/>
             <a:r>
-              <a:rPr lang="ko-KR" altLang="en-US" smtClean="0"/>
+              <a:rPr lang="ko-KR" altLang="en-US"/>
               <a:t>마스터 텍스트 스타일을 편집합니다</a:t>
             </a:r>
           </a:p>
           <a:p>
             <a:pPr lvl="1"/>
             <a:r>
-              <a:rPr lang="ko-KR" altLang="en-US" smtClean="0"/>
+              <a:rPr lang="ko-KR" altLang="en-US"/>
               <a:t>둘째 수준</a:t>
             </a:r>
           </a:p>
           <a:p>
             <a:pPr lvl="2"/>
             <a:r>
-              <a:rPr lang="ko-KR" altLang="en-US" smtClean="0"/>
+              <a:rPr lang="ko-KR" altLang="en-US"/>
               <a:t>셋째 수준</a:t>
             </a:r>
           </a:p>
           <a:p>
             <a:pPr lvl="3"/>
             <a:r>
-              <a:rPr lang="ko-KR" altLang="en-US" smtClean="0"/>
+              <a:rPr lang="ko-KR" altLang="en-US"/>
               <a:t>넷째 수준</a:t>
             </a:r>
           </a:p>
           <a:p>
             <a:pPr lvl="4"/>
             <a:r>
-              <a:rPr lang="ko-KR" altLang="en-US" smtClean="0"/>
+              <a:rPr lang="ko-KR" altLang="en-US"/>
               <a:t>다섯째 수준</a:t>
             </a:r>
-            <a:endParaRPr lang="ko-KR" altLang="en-US"/>
           </a:p>
         </p:txBody>
       </p:sp>
@@ -2687,7 +2682,7 @@
           <a:p>
             <a:fld id="{FB30EDBD-1C2D-4C1E-B459-B60219FAB484}" type="datetimeFigureOut">
               <a:rPr lang="ko-KR" altLang="en-US" smtClean="0"/>
-              <a:t>2020-10-02</a:t>
+              <a:t>2021-10-12</a:t>
             </a:fld>
             <a:endParaRPr lang="ko-KR" altLang="en-US"/>
           </a:p>
@@ -3083,7 +3078,7 @@
           <a:lstStyle/>
           <a:p>
             <a:r>
-              <a:rPr lang="en-US" altLang="ko-KR" sz="2800" dirty="0" smtClean="0">
+              <a:rPr lang="en-US" altLang="ko-KR" sz="2800" dirty="0">
                 <a:solidFill>
                   <a:schemeClr val="bg1"/>
                 </a:solidFill>
@@ -3093,7 +3088,7 @@
               <a:t>CSS3 3</a:t>
             </a:r>
             <a:r>
-              <a:rPr lang="ko-KR" altLang="en-US" sz="2800" dirty="0" smtClean="0">
+              <a:rPr lang="ko-KR" altLang="en-US" sz="2800" dirty="0">
                 <a:solidFill>
                   <a:schemeClr val="bg1"/>
                 </a:solidFill>
@@ -3102,60 +3097,43 @@
               </a:rPr>
               <a:t>강</a:t>
             </a:r>
-            <a:r>
-              <a:rPr lang="en-US" altLang="ko-KR" sz="2800" dirty="0" smtClean="0">
+            <a:br>
+              <a:rPr lang="en-US" altLang="ko-KR" sz="2800" dirty="0">
                 <a:solidFill>
                   <a:schemeClr val="bg1"/>
                 </a:solidFill>
                 <a:latin typeface="배달의민족 주아" pitchFamily="18" charset="-127"/>
                 <a:ea typeface="배달의민족 주아" pitchFamily="18" charset="-127"/>
               </a:rPr>
-              <a:t/>
-            </a:r>
+            </a:br>
             <a:br>
-              <a:rPr lang="en-US" altLang="ko-KR" sz="2800" dirty="0" smtClean="0">
+              <a:rPr lang="en-US" altLang="ko-KR" dirty="0">
+                <a:latin typeface="배달의민족 주아" pitchFamily="18" charset="-127"/>
+                <a:ea typeface="배달의민족 주아" pitchFamily="18" charset="-127"/>
+              </a:rPr>
+            </a:br>
+            <a:r>
+              <a:rPr lang="en-US" altLang="ko-KR" dirty="0">
                 <a:solidFill>
                   <a:schemeClr val="bg1"/>
                 </a:solidFill>
                 <a:latin typeface="배달의민족 주아" pitchFamily="18" charset="-127"/>
                 <a:ea typeface="배달의민족 주아" pitchFamily="18" charset="-127"/>
               </a:rPr>
-            </a:br>
-            <a:r>
-              <a:rPr lang="en-US" altLang="ko-KR" dirty="0" smtClean="0">
-                <a:latin typeface="배달의민족 주아" pitchFamily="18" charset="-127"/>
-                <a:ea typeface="배달의민족 주아" pitchFamily="18" charset="-127"/>
-              </a:rPr>
-              <a:t/>
-            </a:r>
-            <a:br>
-              <a:rPr lang="en-US" altLang="ko-KR" dirty="0" smtClean="0">
-                <a:latin typeface="배달의민족 주아" pitchFamily="18" charset="-127"/>
-                <a:ea typeface="배달의민족 주아" pitchFamily="18" charset="-127"/>
-              </a:rPr>
-            </a:br>
-            <a:r>
-              <a:rPr lang="en-US" altLang="ko-KR" dirty="0" smtClean="0">
+              <a:t>CSS </a:t>
+            </a:r>
+            <a:r>
+              <a:rPr lang="ko-KR" altLang="en-US" dirty="0">
                 <a:solidFill>
                   <a:schemeClr val="bg1"/>
                 </a:solidFill>
                 <a:latin typeface="배달의민족 주아" pitchFamily="18" charset="-127"/>
                 <a:ea typeface="배달의민족 주아" pitchFamily="18" charset="-127"/>
               </a:rPr>
-              <a:t>CSS </a:t>
-            </a:r>
-            <a:r>
-              <a:rPr lang="ko-KR" altLang="en-US" dirty="0" smtClean="0">
-                <a:solidFill>
-                  <a:schemeClr val="bg1"/>
-                </a:solidFill>
-                <a:latin typeface="배달의민족 주아" pitchFamily="18" charset="-127"/>
-                <a:ea typeface="배달의민족 주아" pitchFamily="18" charset="-127"/>
-              </a:rPr>
               <a:t>박스모델</a:t>
             </a:r>
             <a:r>
-              <a:rPr lang="en-US" altLang="ko-KR" dirty="0" smtClean="0">
+              <a:rPr lang="en-US" altLang="ko-KR" dirty="0">
                 <a:solidFill>
                   <a:schemeClr val="bg1"/>
                 </a:solidFill>
@@ -3291,7 +3269,7 @@
           </a:lstStyle>
           <a:p>
             <a:r>
-              <a:rPr lang="en-US" altLang="ko-KR" dirty="0" smtClean="0">
+              <a:rPr lang="en-US" altLang="ko-KR" dirty="0">
                 <a:solidFill>
                   <a:schemeClr val="bg1"/>
                 </a:solidFill>
@@ -3301,14 +3279,14 @@
               <a:t>S</a:t>
             </a:r>
             <a:r>
-              <a:rPr lang="en-US" altLang="ko-KR" dirty="0" smtClean="0">
+              <a:rPr lang="en-US" altLang="ko-KR" dirty="0">
                 <a:latin typeface="배달의민족 도현" pitchFamily="50" charset="-127"/>
                 <a:ea typeface="배달의민족 도현" pitchFamily="50" charset="-127"/>
               </a:rPr>
               <a:t>TART</a:t>
             </a:r>
             <a:r>
-              <a:rPr lang="en-US" altLang="ko-KR" dirty="0" smtClean="0">
+              <a:rPr lang="en-US" altLang="ko-KR" dirty="0">
                 <a:solidFill>
                   <a:schemeClr val="bg1"/>
                 </a:solidFill>
@@ -3318,7 +3296,7 @@
               <a:t>C</a:t>
             </a:r>
             <a:r>
-              <a:rPr lang="en-US" altLang="ko-KR" dirty="0" smtClean="0">
+              <a:rPr lang="en-US" altLang="ko-KR" dirty="0">
                 <a:latin typeface="배달의민족 도현" pitchFamily="50" charset="-127"/>
                 <a:ea typeface="배달의민족 도현" pitchFamily="50" charset="-127"/>
               </a:rPr>
@@ -3341,13 +3319,6 @@
   <p:clrMapOvr>
     <a:masterClrMapping/>
   </p:clrMapOvr>
-  <p:timing>
-    <p:tnLst>
-      <p:par>
-        <p:cTn id="1" dur="indefinite" restart="never" nodeType="tmRoot"/>
-      </p:par>
-    </p:tnLst>
-  </p:timing>
 </p:sld>
 </file>
 
@@ -3485,7 +3456,7 @@
           </a:lstStyle>
           <a:p>
             <a:r>
-              <a:rPr lang="en-US" altLang="ko-KR" dirty="0" smtClean="0">
+              <a:rPr lang="en-US" altLang="ko-KR" dirty="0">
                 <a:solidFill>
                   <a:schemeClr val="accent5"/>
                 </a:solidFill>
@@ -3495,14 +3466,14 @@
               <a:t>S</a:t>
             </a:r>
             <a:r>
-              <a:rPr lang="en-US" altLang="ko-KR" dirty="0" smtClean="0">
+              <a:rPr lang="en-US" altLang="ko-KR" dirty="0">
                 <a:latin typeface="배달의민족 도현" pitchFamily="50" charset="-127"/>
                 <a:ea typeface="배달의민족 도현" pitchFamily="50" charset="-127"/>
               </a:rPr>
               <a:t>TART</a:t>
             </a:r>
             <a:r>
-              <a:rPr lang="en-US" altLang="ko-KR" dirty="0" smtClean="0">
+              <a:rPr lang="en-US" altLang="ko-KR" dirty="0">
                 <a:solidFill>
                   <a:schemeClr val="accent5"/>
                 </a:solidFill>
@@ -3512,7 +3483,7 @@
               <a:t>C</a:t>
             </a:r>
             <a:r>
-              <a:rPr lang="en-US" altLang="ko-KR" dirty="0" smtClean="0">
+              <a:rPr lang="en-US" altLang="ko-KR" dirty="0">
                 <a:latin typeface="배달의민족 도현" pitchFamily="50" charset="-127"/>
                 <a:ea typeface="배달의민족 도현" pitchFamily="50" charset="-127"/>
               </a:rPr>
@@ -3564,28 +3535,28 @@
           </a:lstStyle>
           <a:p>
             <a:r>
-              <a:rPr lang="ko-KR" altLang="en-US" sz="2800" dirty="0" smtClean="0">
+              <a:rPr lang="ko-KR" altLang="en-US" sz="2800" dirty="0">
                 <a:latin typeface="배달의민족 주아" pitchFamily="18" charset="-127"/>
                 <a:ea typeface="배달의민족 주아" pitchFamily="18" charset="-127"/>
               </a:rPr>
               <a:t>테두리</a:t>
             </a:r>
             <a:r>
-              <a:rPr lang="en-US" altLang="ko-KR" sz="2800" dirty="0" smtClean="0">
+              <a:rPr lang="en-US" altLang="ko-KR" sz="2800" dirty="0">
                 <a:latin typeface="배달의민족 주아" pitchFamily="18" charset="-127"/>
                 <a:ea typeface="배달의민족 주아" pitchFamily="18" charset="-127"/>
               </a:rPr>
               <a:t>(</a:t>
             </a:r>
             <a:r>
-              <a:rPr lang="ko-KR" altLang="en-US" sz="2800" dirty="0" smtClean="0">
+              <a:rPr lang="ko-KR" altLang="en-US" sz="2800" dirty="0">
                 <a:latin typeface="배달의민족 주아" pitchFamily="18" charset="-127"/>
                 <a:ea typeface="배달의민족 주아" pitchFamily="18" charset="-127"/>
               </a:rPr>
               <a:t>경계선</a:t>
             </a:r>
             <a:r>
-              <a:rPr lang="en-US" altLang="ko-KR" sz="2800" dirty="0" smtClean="0">
+              <a:rPr lang="en-US" altLang="ko-KR" sz="2800" dirty="0">
                 <a:latin typeface="배달의민족 주아" pitchFamily="18" charset="-127"/>
                 <a:ea typeface="배달의민족 주아" pitchFamily="18" charset="-127"/>
               </a:rPr>
@@ -3623,20 +3594,20 @@
           <a:p>
             <a:pPr algn="ctr"/>
             <a:r>
-              <a:rPr lang="en-US" altLang="ko-KR" dirty="0" smtClean="0">
+              <a:rPr lang="en-US" altLang="ko-KR" dirty="0">
                 <a:latin typeface="배달의민족 주아" pitchFamily="18" charset="-127"/>
                 <a:ea typeface="배달의민족 주아" pitchFamily="18" charset="-127"/>
               </a:rPr>
               <a:t>border </a:t>
             </a:r>
             <a:r>
-              <a:rPr lang="ko-KR" altLang="en-US" dirty="0" smtClean="0">
+              <a:rPr lang="ko-KR" altLang="en-US" dirty="0">
                 <a:latin typeface="배달의민족 주아" pitchFamily="18" charset="-127"/>
                 <a:ea typeface="배달의민족 주아" pitchFamily="18" charset="-127"/>
               </a:rPr>
               <a:t>영역</a:t>
             </a:r>
-            <a:endParaRPr lang="en-US" altLang="ko-KR" dirty="0" smtClean="0">
+            <a:endParaRPr lang="en-US" altLang="ko-KR" dirty="0">
               <a:latin typeface="배달의민족 주아" pitchFamily="18" charset="-127"/>
               <a:ea typeface="배달의민족 주아" pitchFamily="18" charset="-127"/>
             </a:endParaRPr>
@@ -3650,7 +3621,7 @@
           </a:p>
           <a:p>
             <a:pPr algn="ctr"/>
-            <a:endParaRPr lang="en-US" altLang="ko-KR" dirty="0" smtClean="0">
+            <a:endParaRPr lang="en-US" altLang="ko-KR" dirty="0">
               <a:latin typeface="배달의민족 주아" pitchFamily="18" charset="-127"/>
               <a:ea typeface="배달의민족 주아" pitchFamily="18" charset="-127"/>
             </a:endParaRPr>
@@ -3664,7 +3635,7 @@
           </a:p>
           <a:p>
             <a:pPr algn="ctr"/>
-            <a:endParaRPr lang="en-US" altLang="ko-KR" dirty="0" smtClean="0">
+            <a:endParaRPr lang="en-US" altLang="ko-KR" dirty="0">
               <a:latin typeface="배달의민족 주아" pitchFamily="18" charset="-127"/>
               <a:ea typeface="배달의민족 주아" pitchFamily="18" charset="-127"/>
             </a:endParaRPr>
@@ -3678,7 +3649,7 @@
           </a:p>
           <a:p>
             <a:pPr algn="ctr"/>
-            <a:endParaRPr lang="en-US" altLang="ko-KR" dirty="0" smtClean="0">
+            <a:endParaRPr lang="en-US" altLang="ko-KR" dirty="0">
               <a:latin typeface="배달의민족 주아" pitchFamily="18" charset="-127"/>
               <a:ea typeface="배달의민족 주아" pitchFamily="18" charset="-127"/>
             </a:endParaRPr>
@@ -3714,20 +3685,20 @@
           <a:p>
             <a:pPr algn="ctr"/>
             <a:r>
-              <a:rPr lang="en-US" altLang="ko-KR" dirty="0" smtClean="0">
+              <a:rPr lang="en-US" altLang="ko-KR" dirty="0">
                 <a:latin typeface="배달의민족 주아" pitchFamily="18" charset="-127"/>
                 <a:ea typeface="배달의민족 주아" pitchFamily="18" charset="-127"/>
               </a:rPr>
               <a:t>Padding </a:t>
             </a:r>
             <a:r>
-              <a:rPr lang="ko-KR" altLang="en-US" dirty="0" smtClean="0">
+              <a:rPr lang="ko-KR" altLang="en-US" dirty="0">
                 <a:latin typeface="배달의민족 주아" pitchFamily="18" charset="-127"/>
                 <a:ea typeface="배달의민족 주아" pitchFamily="18" charset="-127"/>
               </a:rPr>
               <a:t>영역</a:t>
             </a:r>
-            <a:endParaRPr lang="en-US" altLang="ko-KR" dirty="0" smtClean="0">
+            <a:endParaRPr lang="en-US" altLang="ko-KR" dirty="0">
               <a:latin typeface="배달의민족 주아" pitchFamily="18" charset="-127"/>
               <a:ea typeface="배달의민족 주아" pitchFamily="18" charset="-127"/>
             </a:endParaRPr>
@@ -3741,7 +3712,7 @@
           </a:p>
           <a:p>
             <a:pPr algn="ctr"/>
-            <a:endParaRPr lang="en-US" altLang="ko-KR" dirty="0" smtClean="0">
+            <a:endParaRPr lang="en-US" altLang="ko-KR" dirty="0">
               <a:latin typeface="배달의민족 주아" pitchFamily="18" charset="-127"/>
               <a:ea typeface="배달의민족 주아" pitchFamily="18" charset="-127"/>
             </a:endParaRPr>
@@ -3784,23 +3755,19 @@
           <a:p>
             <a:pPr algn="ctr"/>
             <a:r>
-              <a:rPr lang="en-US" altLang="ko-KR" dirty="0" smtClean="0">
+              <a:rPr lang="en-US" altLang="ko-KR" dirty="0">
                 <a:latin typeface="배달의민족 주아" pitchFamily="18" charset="-127"/>
                 <a:ea typeface="배달의민족 주아" pitchFamily="18" charset="-127"/>
               </a:rPr>
               <a:t>Content </a:t>
             </a:r>
             <a:r>
-              <a:rPr lang="ko-KR" altLang="en-US" dirty="0" smtClean="0">
+              <a:rPr lang="ko-KR" altLang="en-US" dirty="0">
                 <a:latin typeface="배달의민족 주아" pitchFamily="18" charset="-127"/>
                 <a:ea typeface="배달의민족 주아" pitchFamily="18" charset="-127"/>
               </a:rPr>
               <a:t>영역</a:t>
             </a:r>
-            <a:endParaRPr lang="ko-KR" altLang="en-US" dirty="0">
-              <a:latin typeface="배달의민족 주아" pitchFamily="18" charset="-127"/>
-              <a:ea typeface="배달의민족 주아" pitchFamily="18" charset="-127"/>
-            </a:endParaRPr>
           </a:p>
         </p:txBody>
       </p:sp>
@@ -4037,7 +4004,7 @@
           </a:lstStyle>
           <a:p>
             <a:r>
-              <a:rPr lang="en-US" altLang="ko-KR" dirty="0" smtClean="0">
+              <a:rPr lang="en-US" altLang="ko-KR" dirty="0">
                 <a:solidFill>
                   <a:schemeClr val="accent5"/>
                 </a:solidFill>
@@ -4047,14 +4014,14 @@
               <a:t>S</a:t>
             </a:r>
             <a:r>
-              <a:rPr lang="en-US" altLang="ko-KR" dirty="0" smtClean="0">
+              <a:rPr lang="en-US" altLang="ko-KR" dirty="0">
                 <a:latin typeface="배달의민족 도현" pitchFamily="50" charset="-127"/>
                 <a:ea typeface="배달의민족 도현" pitchFamily="50" charset="-127"/>
               </a:rPr>
               <a:t>TART</a:t>
             </a:r>
             <a:r>
-              <a:rPr lang="en-US" altLang="ko-KR" dirty="0" smtClean="0">
+              <a:rPr lang="en-US" altLang="ko-KR" dirty="0">
                 <a:solidFill>
                   <a:schemeClr val="accent5"/>
                 </a:solidFill>
@@ -4064,7 +4031,7 @@
               <a:t>C</a:t>
             </a:r>
             <a:r>
-              <a:rPr lang="en-US" altLang="ko-KR" dirty="0" smtClean="0">
+              <a:rPr lang="en-US" altLang="ko-KR" dirty="0">
                 <a:latin typeface="배달의민족 도현" pitchFamily="50" charset="-127"/>
                 <a:ea typeface="배달의민족 도현" pitchFamily="50" charset="-127"/>
               </a:rPr>
@@ -4120,14 +4087,7 @@
                 <a:latin typeface="배달의민족 주아" pitchFamily="18" charset="-127"/>
                 <a:ea typeface="배달의민족 주아" pitchFamily="18" charset="-127"/>
               </a:rPr>
-              <a:t>외</a:t>
-            </a:r>
-            <a:r>
-              <a:rPr lang="ko-KR" altLang="en-US" sz="3600" dirty="0" smtClean="0">
-                <a:latin typeface="배달의민족 주아" pitchFamily="18" charset="-127"/>
-                <a:ea typeface="배달의민족 주아" pitchFamily="18" charset="-127"/>
-              </a:rPr>
-              <a:t>부 여백 영역</a:t>
+              <a:t>외부 여백 영역</a:t>
             </a:r>
             <a:endParaRPr lang="en-US" altLang="ko-KR" sz="3600" dirty="0">
               <a:latin typeface="배달의민족 주아" pitchFamily="18" charset="-127"/>
@@ -4136,35 +4096,35 @@
           </a:p>
           <a:p>
             <a:r>
-              <a:rPr lang="en-US" altLang="ko-KR" sz="3600" dirty="0" smtClean="0">
+              <a:rPr lang="en-US" altLang="ko-KR" sz="3600" dirty="0">
                 <a:latin typeface="배달의민족 주아" pitchFamily="18" charset="-127"/>
                 <a:ea typeface="배달의민족 주아" pitchFamily="18" charset="-127"/>
               </a:rPr>
               <a:t>box(</a:t>
             </a:r>
             <a:r>
-              <a:rPr lang="ko-KR" altLang="en-US" sz="3600" dirty="0" smtClean="0">
+              <a:rPr lang="ko-KR" altLang="en-US" sz="3600" dirty="0">
                 <a:latin typeface="배달의민족 주아" pitchFamily="18" charset="-127"/>
                 <a:ea typeface="배달의민족 주아" pitchFamily="18" charset="-127"/>
               </a:rPr>
               <a:t>태그</a:t>
             </a:r>
             <a:r>
-              <a:rPr lang="en-US" altLang="ko-KR" sz="3600" dirty="0" smtClean="0">
+              <a:rPr lang="en-US" altLang="ko-KR" sz="3600" dirty="0">
                 <a:latin typeface="배달의민족 주아" pitchFamily="18" charset="-127"/>
                 <a:ea typeface="배달의민족 주아" pitchFamily="18" charset="-127"/>
               </a:rPr>
               <a:t>) </a:t>
             </a:r>
             <a:r>
-              <a:rPr lang="ko-KR" altLang="en-US" sz="3600" dirty="0" smtClean="0">
+              <a:rPr lang="ko-KR" altLang="en-US" sz="3600" dirty="0">
                 <a:latin typeface="배달의민족 주아" pitchFamily="18" charset="-127"/>
                 <a:ea typeface="배달의민족 주아" pitchFamily="18" charset="-127"/>
               </a:rPr>
               <a:t>간의 </a:t>
             </a:r>
             <a:r>
-              <a:rPr lang="ko-KR" altLang="en-US" sz="3600" dirty="0" smtClean="0">
+              <a:rPr lang="ko-KR" altLang="en-US" sz="3600" dirty="0">
                 <a:solidFill>
                   <a:schemeClr val="accent5"/>
                 </a:solidFill>
@@ -4174,33 +4134,26 @@
               <a:t>간격</a:t>
             </a:r>
             <a:r>
-              <a:rPr lang="ko-KR" altLang="en-US" sz="3600" dirty="0" smtClean="0">
+              <a:rPr lang="ko-KR" altLang="en-US" sz="3600" dirty="0">
                 <a:latin typeface="배달의민족 주아" pitchFamily="18" charset="-127"/>
                 <a:ea typeface="배달의민족 주아" pitchFamily="18" charset="-127"/>
               </a:rPr>
               <a:t>을 조절하기 위해서 사용</a:t>
             </a:r>
-            <a:endParaRPr lang="en-US" altLang="ko-KR" sz="3600" dirty="0" smtClean="0">
+            <a:endParaRPr lang="en-US" altLang="ko-KR" sz="3600" dirty="0">
               <a:latin typeface="배달의민족 주아" pitchFamily="18" charset="-127"/>
               <a:ea typeface="배달의민족 주아" pitchFamily="18" charset="-127"/>
             </a:endParaRPr>
           </a:p>
           <a:p>
             <a:r>
-              <a:rPr lang="ko-KR" altLang="en-US" sz="3600" dirty="0" smtClean="0">
-                <a:latin typeface="배달의민족 주아" pitchFamily="18" charset="-127"/>
-                <a:ea typeface="배달의민족 주아" pitchFamily="18" charset="-127"/>
-              </a:rPr>
-              <a:t>투명</a:t>
-            </a:r>
-            <a:r>
               <a:rPr lang="ko-KR" altLang="en-US" sz="3600" dirty="0">
                 <a:latin typeface="배달의민족 주아" pitchFamily="18" charset="-127"/>
                 <a:ea typeface="배달의민족 주아" pitchFamily="18" charset="-127"/>
               </a:rPr>
-              <a:t>색</a:t>
-            </a:r>
-            <a:endParaRPr lang="en-US" altLang="ko-KR" sz="3600" dirty="0" smtClean="0">
+              <a:t>투명색</a:t>
+            </a:r>
+            <a:endParaRPr lang="en-US" altLang="ko-KR" sz="3600" dirty="0">
               <a:latin typeface="배달의민족 주아" pitchFamily="18" charset="-127"/>
               <a:ea typeface="배달의민족 주아" pitchFamily="18" charset="-127"/>
             </a:endParaRPr>
@@ -4235,20 +4188,20 @@
           <a:p>
             <a:pPr algn="ctr"/>
             <a:r>
-              <a:rPr lang="en-US" altLang="ko-KR" dirty="0" smtClean="0">
+              <a:rPr lang="en-US" altLang="ko-KR" dirty="0">
                 <a:latin typeface="배달의민족 주아" pitchFamily="18" charset="-127"/>
                 <a:ea typeface="배달의민족 주아" pitchFamily="18" charset="-127"/>
               </a:rPr>
               <a:t>margin  </a:t>
             </a:r>
             <a:r>
-              <a:rPr lang="ko-KR" altLang="en-US" dirty="0" smtClean="0">
+              <a:rPr lang="ko-KR" altLang="en-US" dirty="0">
                 <a:latin typeface="배달의민족 주아" pitchFamily="18" charset="-127"/>
                 <a:ea typeface="배달의민족 주아" pitchFamily="18" charset="-127"/>
               </a:rPr>
               <a:t>영역</a:t>
             </a:r>
-            <a:endParaRPr lang="en-US" altLang="ko-KR" dirty="0" smtClean="0">
+            <a:endParaRPr lang="en-US" altLang="ko-KR" dirty="0">
               <a:latin typeface="배달의민족 주아" pitchFamily="18" charset="-127"/>
               <a:ea typeface="배달의민족 주아" pitchFamily="18" charset="-127"/>
             </a:endParaRPr>
@@ -4262,7 +4215,7 @@
           </a:p>
           <a:p>
             <a:pPr algn="ctr"/>
-            <a:endParaRPr lang="en-US" altLang="ko-KR" dirty="0" smtClean="0">
+            <a:endParaRPr lang="en-US" altLang="ko-KR" dirty="0">
               <a:latin typeface="배달의민족 주아" pitchFamily="18" charset="-127"/>
               <a:ea typeface="배달의민족 주아" pitchFamily="18" charset="-127"/>
             </a:endParaRPr>
@@ -4276,7 +4229,7 @@
           </a:p>
           <a:p>
             <a:pPr algn="ctr"/>
-            <a:endParaRPr lang="en-US" altLang="ko-KR" dirty="0" smtClean="0">
+            <a:endParaRPr lang="en-US" altLang="ko-KR" dirty="0">
               <a:latin typeface="배달의민족 주아" pitchFamily="18" charset="-127"/>
               <a:ea typeface="배달의민족 주아" pitchFamily="18" charset="-127"/>
             </a:endParaRPr>
@@ -4290,14 +4243,7 @@
           </a:p>
           <a:p>
             <a:pPr algn="ctr"/>
-            <a:endParaRPr lang="en-US" altLang="ko-KR" dirty="0" smtClean="0">
-              <a:latin typeface="배달의민족 주아" pitchFamily="18" charset="-127"/>
-              <a:ea typeface="배달의민족 주아" pitchFamily="18" charset="-127"/>
-            </a:endParaRPr>
-          </a:p>
-          <a:p>
-            <a:pPr algn="ctr"/>
-            <a:endParaRPr lang="en-US" altLang="ko-KR" dirty="0" smtClean="0">
+            <a:endParaRPr lang="en-US" altLang="ko-KR" dirty="0">
               <a:latin typeface="배달의민족 주아" pitchFamily="18" charset="-127"/>
               <a:ea typeface="배달의민족 주아" pitchFamily="18" charset="-127"/>
             </a:endParaRPr>
@@ -4311,7 +4257,14 @@
           </a:p>
           <a:p>
             <a:pPr algn="ctr"/>
-            <a:endParaRPr lang="en-US" altLang="ko-KR" dirty="0" smtClean="0">
+            <a:endParaRPr lang="en-US" altLang="ko-KR" dirty="0">
+              <a:latin typeface="배달의민족 주아" pitchFamily="18" charset="-127"/>
+              <a:ea typeface="배달의민족 주아" pitchFamily="18" charset="-127"/>
+            </a:endParaRPr>
+          </a:p>
+          <a:p>
+            <a:pPr algn="ctr"/>
+            <a:endParaRPr lang="en-US" altLang="ko-KR" dirty="0">
               <a:latin typeface="배달의민족 주아" pitchFamily="18" charset="-127"/>
               <a:ea typeface="배달의민족 주아" pitchFamily="18" charset="-127"/>
             </a:endParaRPr>
@@ -4354,20 +4307,20 @@
           <a:p>
             <a:pPr algn="ctr"/>
             <a:r>
-              <a:rPr lang="en-US" altLang="ko-KR" dirty="0" smtClean="0">
+              <a:rPr lang="en-US" altLang="ko-KR" dirty="0">
                 <a:latin typeface="배달의민족 주아" pitchFamily="18" charset="-127"/>
                 <a:ea typeface="배달의민족 주아" pitchFamily="18" charset="-127"/>
               </a:rPr>
               <a:t>border </a:t>
             </a:r>
             <a:r>
-              <a:rPr lang="ko-KR" altLang="en-US" dirty="0" smtClean="0">
+              <a:rPr lang="ko-KR" altLang="en-US" dirty="0">
                 <a:latin typeface="배달의민족 주아" pitchFamily="18" charset="-127"/>
                 <a:ea typeface="배달의민족 주아" pitchFamily="18" charset="-127"/>
               </a:rPr>
               <a:t>영역</a:t>
             </a:r>
-            <a:endParaRPr lang="en-US" altLang="ko-KR" dirty="0" smtClean="0">
+            <a:endParaRPr lang="en-US" altLang="ko-KR" dirty="0">
               <a:latin typeface="배달의민족 주아" pitchFamily="18" charset="-127"/>
               <a:ea typeface="배달의민족 주아" pitchFamily="18" charset="-127"/>
             </a:endParaRPr>
@@ -4381,7 +4334,7 @@
           </a:p>
           <a:p>
             <a:pPr algn="ctr"/>
-            <a:endParaRPr lang="en-US" altLang="ko-KR" dirty="0" smtClean="0">
+            <a:endParaRPr lang="en-US" altLang="ko-KR" dirty="0">
               <a:latin typeface="배달의민족 주아" pitchFamily="18" charset="-127"/>
               <a:ea typeface="배달의민족 주아" pitchFamily="18" charset="-127"/>
             </a:endParaRPr>
@@ -4395,7 +4348,7 @@
           </a:p>
           <a:p>
             <a:pPr algn="ctr"/>
-            <a:endParaRPr lang="en-US" altLang="ko-KR" dirty="0" smtClean="0">
+            <a:endParaRPr lang="en-US" altLang="ko-KR" dirty="0">
               <a:latin typeface="배달의민족 주아" pitchFamily="18" charset="-127"/>
               <a:ea typeface="배달의민족 주아" pitchFamily="18" charset="-127"/>
             </a:endParaRPr>
@@ -4409,7 +4362,7 @@
           </a:p>
           <a:p>
             <a:pPr algn="ctr"/>
-            <a:endParaRPr lang="en-US" altLang="ko-KR" dirty="0" smtClean="0">
+            <a:endParaRPr lang="en-US" altLang="ko-KR" dirty="0">
               <a:latin typeface="배달의민족 주아" pitchFamily="18" charset="-127"/>
               <a:ea typeface="배달의민족 주아" pitchFamily="18" charset="-127"/>
             </a:endParaRPr>
@@ -4445,20 +4398,20 @@
           <a:p>
             <a:pPr algn="ctr"/>
             <a:r>
-              <a:rPr lang="en-US" altLang="ko-KR" dirty="0" smtClean="0">
+              <a:rPr lang="en-US" altLang="ko-KR" dirty="0">
                 <a:latin typeface="배달의민족 주아" pitchFamily="18" charset="-127"/>
                 <a:ea typeface="배달의민족 주아" pitchFamily="18" charset="-127"/>
               </a:rPr>
               <a:t>Padding </a:t>
             </a:r>
             <a:r>
-              <a:rPr lang="ko-KR" altLang="en-US" dirty="0" smtClean="0">
+              <a:rPr lang="ko-KR" altLang="en-US" dirty="0">
                 <a:latin typeface="배달의민족 주아" pitchFamily="18" charset="-127"/>
                 <a:ea typeface="배달의민족 주아" pitchFamily="18" charset="-127"/>
               </a:rPr>
               <a:t>영역</a:t>
             </a:r>
-            <a:endParaRPr lang="en-US" altLang="ko-KR" dirty="0" smtClean="0">
+            <a:endParaRPr lang="en-US" altLang="ko-KR" dirty="0">
               <a:latin typeface="배달의민족 주아" pitchFamily="18" charset="-127"/>
               <a:ea typeface="배달의민족 주아" pitchFamily="18" charset="-127"/>
             </a:endParaRPr>
@@ -4472,7 +4425,7 @@
           </a:p>
           <a:p>
             <a:pPr algn="ctr"/>
-            <a:endParaRPr lang="en-US" altLang="ko-KR" dirty="0" smtClean="0">
+            <a:endParaRPr lang="en-US" altLang="ko-KR" dirty="0">
               <a:latin typeface="배달의민족 주아" pitchFamily="18" charset="-127"/>
               <a:ea typeface="배달의민족 주아" pitchFamily="18" charset="-127"/>
             </a:endParaRPr>
@@ -4515,23 +4468,19 @@
           <a:p>
             <a:pPr algn="ctr"/>
             <a:r>
-              <a:rPr lang="en-US" altLang="ko-KR" dirty="0" smtClean="0">
+              <a:rPr lang="en-US" altLang="ko-KR" dirty="0">
                 <a:latin typeface="배달의민족 주아" pitchFamily="18" charset="-127"/>
                 <a:ea typeface="배달의민족 주아" pitchFamily="18" charset="-127"/>
               </a:rPr>
               <a:t>Content </a:t>
             </a:r>
             <a:r>
-              <a:rPr lang="ko-KR" altLang="en-US" dirty="0" smtClean="0">
+              <a:rPr lang="ko-KR" altLang="en-US" dirty="0">
                 <a:latin typeface="배달의민족 주아" pitchFamily="18" charset="-127"/>
                 <a:ea typeface="배달의민족 주아" pitchFamily="18" charset="-127"/>
               </a:rPr>
               <a:t>영역</a:t>
             </a:r>
-            <a:endParaRPr lang="ko-KR" altLang="en-US" dirty="0">
-              <a:latin typeface="배달의민족 주아" pitchFamily="18" charset="-127"/>
-              <a:ea typeface="배달의민족 주아" pitchFamily="18" charset="-127"/>
-            </a:endParaRPr>
           </a:p>
         </p:txBody>
       </p:sp>
@@ -4667,23 +4616,19 @@
           <a:lstStyle/>
           <a:p>
             <a:r>
-              <a:rPr lang="en-US" altLang="ko-KR" dirty="0" smtClean="0">
+              <a:rPr lang="en-US" altLang="ko-KR" dirty="0">
                 <a:latin typeface="배달의민족 주아" pitchFamily="18" charset="-127"/>
                 <a:ea typeface="배달의민족 주아" pitchFamily="18" charset="-127"/>
               </a:rPr>
               <a:t>width, height </a:t>
             </a:r>
             <a:r>
-              <a:rPr lang="ko-KR" altLang="en-US" dirty="0" smtClean="0">
+              <a:rPr lang="ko-KR" altLang="en-US" dirty="0">
                 <a:latin typeface="배달의민족 주아" pitchFamily="18" charset="-127"/>
                 <a:ea typeface="배달의민족 주아" pitchFamily="18" charset="-127"/>
               </a:rPr>
               <a:t>적용방법</a:t>
             </a:r>
-            <a:endParaRPr lang="ko-KR" altLang="en-US" dirty="0">
-              <a:latin typeface="배달의민족 주아" pitchFamily="18" charset="-127"/>
-              <a:ea typeface="배달의민족 주아" pitchFamily="18" charset="-127"/>
-            </a:endParaRPr>
           </a:p>
         </p:txBody>
       </p:sp>
@@ -4804,7 +4749,7 @@
           </a:lstStyle>
           <a:p>
             <a:r>
-              <a:rPr lang="en-US" altLang="ko-KR" dirty="0" smtClean="0">
+              <a:rPr lang="en-US" altLang="ko-KR" dirty="0">
                 <a:solidFill>
                   <a:schemeClr val="accent5"/>
                 </a:solidFill>
@@ -4814,14 +4759,14 @@
               <a:t>S</a:t>
             </a:r>
             <a:r>
-              <a:rPr lang="en-US" altLang="ko-KR" dirty="0" smtClean="0">
+              <a:rPr lang="en-US" altLang="ko-KR" dirty="0">
                 <a:latin typeface="배달의민족 도현" pitchFamily="50" charset="-127"/>
                 <a:ea typeface="배달의민족 도현" pitchFamily="50" charset="-127"/>
               </a:rPr>
               <a:t>TART</a:t>
             </a:r>
             <a:r>
-              <a:rPr lang="en-US" altLang="ko-KR" dirty="0" smtClean="0">
+              <a:rPr lang="en-US" altLang="ko-KR" dirty="0">
                 <a:solidFill>
                   <a:schemeClr val="accent5"/>
                 </a:solidFill>
@@ -4831,7 +4776,7 @@
               <a:t>C</a:t>
             </a:r>
             <a:r>
-              <a:rPr lang="en-US" altLang="ko-KR" dirty="0" smtClean="0">
+              <a:rPr lang="en-US" altLang="ko-KR" dirty="0">
                 <a:latin typeface="배달의민족 도현" pitchFamily="50" charset="-127"/>
                 <a:ea typeface="배달의민족 도현" pitchFamily="50" charset="-127"/>
               </a:rPr>
@@ -4854,13 +4799,6 @@
   <p:clrMapOvr>
     <a:masterClrMapping/>
   </p:clrMapOvr>
-  <p:timing>
-    <p:tnLst>
-      <p:par>
-        <p:cTn id="1" dur="indefinite" restart="never" nodeType="tmRoot"/>
-      </p:par>
-    </p:tnLst>
-  </p:timing>
 </p:sld>
 </file>
 
@@ -4899,20 +4837,20 @@
           <a:lstStyle/>
           <a:p>
             <a:r>
-              <a:rPr lang="en-US" altLang="ko-KR" sz="4000" dirty="0" smtClean="0">
+              <a:rPr lang="en-US" altLang="ko-KR" sz="4000" dirty="0">
                 <a:latin typeface="배달의민족 주아" pitchFamily="18" charset="-127"/>
                 <a:ea typeface="배달의민족 주아" pitchFamily="18" charset="-127"/>
               </a:rPr>
               <a:t>width: 300px;</a:t>
             </a:r>
             <a:br>
-              <a:rPr lang="en-US" altLang="ko-KR" sz="4000" dirty="0" smtClean="0">
+              <a:rPr lang="en-US" altLang="ko-KR" sz="4000" dirty="0">
                 <a:latin typeface="배달의민족 주아" pitchFamily="18" charset="-127"/>
                 <a:ea typeface="배달의민족 주아" pitchFamily="18" charset="-127"/>
               </a:rPr>
             </a:br>
             <a:r>
-              <a:rPr lang="en-US" altLang="ko-KR" sz="4000" dirty="0" smtClean="0">
+              <a:rPr lang="en-US" altLang="ko-KR" sz="4000" dirty="0">
                 <a:latin typeface="배달의민족 주아" pitchFamily="18" charset="-127"/>
                 <a:ea typeface="배달의민족 주아" pitchFamily="18" charset="-127"/>
               </a:rPr>
@@ -5042,7 +4980,7 @@
           </a:lstStyle>
           <a:p>
             <a:r>
-              <a:rPr lang="en-US" altLang="ko-KR" dirty="0" smtClean="0">
+              <a:rPr lang="en-US" altLang="ko-KR" dirty="0">
                 <a:solidFill>
                   <a:schemeClr val="accent5"/>
                 </a:solidFill>
@@ -5052,14 +4990,14 @@
               <a:t>S</a:t>
             </a:r>
             <a:r>
-              <a:rPr lang="en-US" altLang="ko-KR" dirty="0" smtClean="0">
+              <a:rPr lang="en-US" altLang="ko-KR" dirty="0">
                 <a:latin typeface="배달의민족 도현" pitchFamily="50" charset="-127"/>
                 <a:ea typeface="배달의민족 도현" pitchFamily="50" charset="-127"/>
               </a:rPr>
               <a:t>TART</a:t>
             </a:r>
             <a:r>
-              <a:rPr lang="en-US" altLang="ko-KR" dirty="0" smtClean="0">
+              <a:rPr lang="en-US" altLang="ko-KR" dirty="0">
                 <a:solidFill>
                   <a:schemeClr val="accent5"/>
                 </a:solidFill>
@@ -5069,7 +5007,7 @@
               <a:t>C</a:t>
             </a:r>
             <a:r>
-              <a:rPr lang="en-US" altLang="ko-KR" dirty="0" smtClean="0">
+              <a:rPr lang="en-US" altLang="ko-KR" dirty="0">
                 <a:latin typeface="배달의민족 도현" pitchFamily="50" charset="-127"/>
                 <a:ea typeface="배달의민족 도현" pitchFamily="50" charset="-127"/>
               </a:rPr>
@@ -5121,27 +5059,27 @@
           </a:lstStyle>
           <a:p>
             <a:r>
-              <a:rPr lang="en-US" altLang="ko-KR" sz="4000" dirty="0" smtClean="0">
+              <a:rPr lang="en-US" altLang="ko-KR" sz="4000" dirty="0">
                 <a:latin typeface="배달의민족 주아" pitchFamily="18" charset="-127"/>
                 <a:ea typeface="배달의민족 주아" pitchFamily="18" charset="-127"/>
               </a:rPr>
               <a:t>width: 100%;</a:t>
             </a:r>
             <a:br>
-              <a:rPr lang="en-US" altLang="ko-KR" sz="4000" dirty="0" smtClean="0">
+              <a:rPr lang="en-US" altLang="ko-KR" sz="4000" dirty="0">
                 <a:latin typeface="배달의민족 주아" pitchFamily="18" charset="-127"/>
                 <a:ea typeface="배달의민족 주아" pitchFamily="18" charset="-127"/>
               </a:rPr>
             </a:br>
             <a:r>
-              <a:rPr lang="en-US" altLang="ko-KR" sz="4000" dirty="0" smtClean="0">
+              <a:rPr lang="en-US" altLang="ko-KR" sz="4000" dirty="0">
                 <a:latin typeface="배달의민족 주아" pitchFamily="18" charset="-127"/>
                 <a:ea typeface="배달의민족 주아" pitchFamily="18" charset="-127"/>
               </a:rPr>
               <a:t>height</a:t>
             </a:r>
             <a:r>
-              <a:rPr lang="en-US" altLang="ko-KR" sz="4000" smtClean="0">
+              <a:rPr lang="en-US" altLang="ko-KR" sz="4000">
                 <a:latin typeface="배달의민족 주아" pitchFamily="18" charset="-127"/>
                 <a:ea typeface="배달의민족 주아" pitchFamily="18" charset="-127"/>
               </a:rPr>
@@ -5164,13 +5102,6 @@
   <p:clrMapOvr>
     <a:masterClrMapping/>
   </p:clrMapOvr>
-  <p:timing>
-    <p:tnLst>
-      <p:par>
-        <p:cTn id="1" dur="indefinite" restart="never" nodeType="tmRoot"/>
-      </p:par>
-    </p:tnLst>
-  </p:timing>
 </p:sld>
 </file>
 
@@ -5207,23 +5138,19 @@
           <a:lstStyle/>
           <a:p>
             <a:r>
-              <a:rPr lang="en-US" altLang="ko-KR" dirty="0" smtClean="0">
+              <a:rPr lang="en-US" altLang="ko-KR" dirty="0">
                 <a:latin typeface="배달의민족 주아" pitchFamily="18" charset="-127"/>
                 <a:ea typeface="배달의민족 주아" pitchFamily="18" charset="-127"/>
               </a:rPr>
               <a:t>margin, padding </a:t>
             </a:r>
             <a:r>
-              <a:rPr lang="ko-KR" altLang="en-US" dirty="0" smtClean="0">
+              <a:rPr lang="ko-KR" altLang="en-US" dirty="0">
                 <a:latin typeface="배달의민족 주아" pitchFamily="18" charset="-127"/>
                 <a:ea typeface="배달의민족 주아" pitchFamily="18" charset="-127"/>
               </a:rPr>
               <a:t>적용방법</a:t>
             </a:r>
-            <a:endParaRPr lang="ko-KR" altLang="en-US" dirty="0">
-              <a:latin typeface="배달의민족 주아" pitchFamily="18" charset="-127"/>
-              <a:ea typeface="배달의민족 주아" pitchFamily="18" charset="-127"/>
-            </a:endParaRPr>
           </a:p>
         </p:txBody>
       </p:sp>
@@ -5344,7 +5271,7 @@
           </a:lstStyle>
           <a:p>
             <a:r>
-              <a:rPr lang="en-US" altLang="ko-KR" dirty="0" smtClean="0">
+              <a:rPr lang="en-US" altLang="ko-KR" dirty="0">
                 <a:solidFill>
                   <a:schemeClr val="accent5"/>
                 </a:solidFill>
@@ -5354,14 +5281,14 @@
               <a:t>S</a:t>
             </a:r>
             <a:r>
-              <a:rPr lang="en-US" altLang="ko-KR" dirty="0" smtClean="0">
+              <a:rPr lang="en-US" altLang="ko-KR" dirty="0">
                 <a:latin typeface="배달의민족 도현" pitchFamily="50" charset="-127"/>
                 <a:ea typeface="배달의민족 도현" pitchFamily="50" charset="-127"/>
               </a:rPr>
               <a:t>TART</a:t>
             </a:r>
             <a:r>
-              <a:rPr lang="en-US" altLang="ko-KR" dirty="0" smtClean="0">
+              <a:rPr lang="en-US" altLang="ko-KR" dirty="0">
                 <a:solidFill>
                   <a:schemeClr val="accent5"/>
                 </a:solidFill>
@@ -5371,7 +5298,7 @@
               <a:t>C</a:t>
             </a:r>
             <a:r>
-              <a:rPr lang="en-US" altLang="ko-KR" dirty="0" smtClean="0">
+              <a:rPr lang="en-US" altLang="ko-KR" dirty="0">
                 <a:latin typeface="배달의민족 도현" pitchFamily="50" charset="-127"/>
                 <a:ea typeface="배달의민족 도현" pitchFamily="50" charset="-127"/>
               </a:rPr>
@@ -5394,13 +5321,6 @@
   <p:clrMapOvr>
     <a:masterClrMapping/>
   </p:clrMapOvr>
-  <p:timing>
-    <p:tnLst>
-      <p:par>
-        <p:cTn id="1" dur="indefinite" restart="never" nodeType="tmRoot"/>
-      </p:par>
-    </p:tnLst>
-  </p:timing>
 </p:sld>
 </file>
 
@@ -5439,57 +5359,50 @@
           <a:lstStyle/>
           <a:p>
             <a:r>
-              <a:rPr lang="en-US" altLang="ko-KR" sz="4000" dirty="0" smtClean="0">
+              <a:rPr lang="en-US" altLang="ko-KR" sz="4000" dirty="0">
                 <a:latin typeface="배달의민족 주아" pitchFamily="18" charset="-127"/>
                 <a:ea typeface="배달의민족 주아" pitchFamily="18" charset="-127"/>
               </a:rPr>
               <a:t>margin-top: 25px;</a:t>
             </a:r>
             <a:br>
-              <a:rPr lang="en-US" altLang="ko-KR" sz="4000" dirty="0" smtClean="0">
+              <a:rPr lang="en-US" altLang="ko-KR" sz="4000" dirty="0">
                 <a:latin typeface="배달의민족 주아" pitchFamily="18" charset="-127"/>
                 <a:ea typeface="배달의민족 주아" pitchFamily="18" charset="-127"/>
               </a:rPr>
             </a:br>
             <a:r>
-              <a:rPr lang="en-US" altLang="ko-KR" sz="4000" dirty="0" smtClean="0">
+              <a:rPr lang="en-US" altLang="ko-KR" sz="4000" dirty="0">
                 <a:latin typeface="배달의민족 주아" pitchFamily="18" charset="-127"/>
                 <a:ea typeface="배달의민족 주아" pitchFamily="18" charset="-127"/>
               </a:rPr>
               <a:t>margin-right: 30px;</a:t>
             </a:r>
             <a:br>
-              <a:rPr lang="en-US" altLang="ko-KR" sz="4000" dirty="0" smtClean="0">
+              <a:rPr lang="en-US" altLang="ko-KR" sz="4000" dirty="0">
                 <a:latin typeface="배달의민족 주아" pitchFamily="18" charset="-127"/>
                 <a:ea typeface="배달의민족 주아" pitchFamily="18" charset="-127"/>
               </a:rPr>
             </a:br>
             <a:r>
-              <a:rPr lang="en-US" altLang="ko-KR" sz="4000" dirty="0" smtClean="0">
+              <a:rPr lang="en-US" altLang="ko-KR" sz="4000" dirty="0">
                 <a:latin typeface="배달의민족 주아" pitchFamily="18" charset="-127"/>
                 <a:ea typeface="배달의민족 주아" pitchFamily="18" charset="-127"/>
               </a:rPr>
               <a:t>margin-bottom: 50px;</a:t>
             </a:r>
             <a:br>
-              <a:rPr lang="en-US" altLang="ko-KR" sz="4000" dirty="0" smtClean="0">
+              <a:rPr lang="en-US" altLang="ko-KR" sz="4000" dirty="0">
                 <a:latin typeface="배달의민족 주아" pitchFamily="18" charset="-127"/>
                 <a:ea typeface="배달의민족 주아" pitchFamily="18" charset="-127"/>
               </a:rPr>
             </a:br>
             <a:r>
-              <a:rPr lang="en-US" altLang="ko-KR" sz="4000" dirty="0" smtClean="0">
-                <a:latin typeface="배달의민족 주아" pitchFamily="18" charset="-127"/>
-                <a:ea typeface="배달의민족 주아" pitchFamily="18" charset="-127"/>
-              </a:rPr>
-              <a:t>margin-left: 100px</a:t>
-            </a:r>
-            <a:r>
               <a:rPr lang="en-US" altLang="ko-KR" sz="4000" dirty="0">
                 <a:latin typeface="배달의민족 주아" pitchFamily="18" charset="-127"/>
                 <a:ea typeface="배달의민족 주아" pitchFamily="18" charset="-127"/>
               </a:rPr>
-              <a:t>;</a:t>
+              <a:t>margin-left: 100px;</a:t>
             </a:r>
             <a:endParaRPr lang="ko-KR" altLang="en-US" sz="4000" dirty="0">
               <a:latin typeface="배달의민족 주아" pitchFamily="18" charset="-127"/>
@@ -5615,7 +5528,7 @@
           </a:lstStyle>
           <a:p>
             <a:r>
-              <a:rPr lang="en-US" altLang="ko-KR" dirty="0" smtClean="0">
+              <a:rPr lang="en-US" altLang="ko-KR" dirty="0">
                 <a:solidFill>
                   <a:schemeClr val="accent5"/>
                 </a:solidFill>
@@ -5625,14 +5538,14 @@
               <a:t>S</a:t>
             </a:r>
             <a:r>
-              <a:rPr lang="en-US" altLang="ko-KR" dirty="0" smtClean="0">
+              <a:rPr lang="en-US" altLang="ko-KR" dirty="0">
                 <a:latin typeface="배달의민족 도현" pitchFamily="50" charset="-127"/>
                 <a:ea typeface="배달의민족 도현" pitchFamily="50" charset="-127"/>
               </a:rPr>
               <a:t>TART</a:t>
             </a:r>
             <a:r>
-              <a:rPr lang="en-US" altLang="ko-KR" dirty="0" smtClean="0">
+              <a:rPr lang="en-US" altLang="ko-KR" dirty="0">
                 <a:solidFill>
                   <a:schemeClr val="accent5"/>
                 </a:solidFill>
@@ -5642,7 +5555,7 @@
               <a:t>C</a:t>
             </a:r>
             <a:r>
-              <a:rPr lang="en-US" altLang="ko-KR" dirty="0" smtClean="0">
+              <a:rPr lang="en-US" altLang="ko-KR" dirty="0">
                 <a:latin typeface="배달의민족 도현" pitchFamily="50" charset="-127"/>
                 <a:ea typeface="배달의민족 도현" pitchFamily="50" charset="-127"/>
               </a:rPr>
@@ -5665,13 +5578,6 @@
   <p:clrMapOvr>
     <a:masterClrMapping/>
   </p:clrMapOvr>
-  <p:timing>
-    <p:tnLst>
-      <p:par>
-        <p:cTn id="1" dur="indefinite" restart="never" nodeType="tmRoot"/>
-      </p:par>
-    </p:tnLst>
-  </p:timing>
 </p:sld>
 </file>
 
@@ -5710,7 +5616,7 @@
           <a:lstStyle/>
           <a:p>
             <a:r>
-              <a:rPr lang="en-US" altLang="ko-KR" sz="4000" dirty="0" smtClean="0">
+              <a:rPr lang="en-US" altLang="ko-KR" sz="4000" dirty="0">
                 <a:latin typeface="배달의민족 주아" pitchFamily="18" charset="-127"/>
                 <a:ea typeface="배달의민족 주아" pitchFamily="18" charset="-127"/>
               </a:rPr>
@@ -5840,7 +5746,7 @@
           </a:lstStyle>
           <a:p>
             <a:r>
-              <a:rPr lang="en-US" altLang="ko-KR" dirty="0" smtClean="0">
+              <a:rPr lang="en-US" altLang="ko-KR" dirty="0">
                 <a:solidFill>
                   <a:schemeClr val="accent5"/>
                 </a:solidFill>
@@ -5850,14 +5756,14 @@
               <a:t>S</a:t>
             </a:r>
             <a:r>
-              <a:rPr lang="en-US" altLang="ko-KR" dirty="0" smtClean="0">
+              <a:rPr lang="en-US" altLang="ko-KR" dirty="0">
                 <a:latin typeface="배달의민족 도현" pitchFamily="50" charset="-127"/>
                 <a:ea typeface="배달의민족 도현" pitchFamily="50" charset="-127"/>
               </a:rPr>
               <a:t>TART</a:t>
             </a:r>
             <a:r>
-              <a:rPr lang="en-US" altLang="ko-KR" dirty="0" smtClean="0">
+              <a:rPr lang="en-US" altLang="ko-KR" dirty="0">
                 <a:solidFill>
                   <a:schemeClr val="accent5"/>
                 </a:solidFill>
@@ -5867,7 +5773,7 @@
               <a:t>C</a:t>
             </a:r>
             <a:r>
-              <a:rPr lang="en-US" altLang="ko-KR" dirty="0" smtClean="0">
+              <a:rPr lang="en-US" altLang="ko-KR" dirty="0">
                 <a:latin typeface="배달의민족 도현" pitchFamily="50" charset="-127"/>
                 <a:ea typeface="배달의민족 도현" pitchFamily="50" charset="-127"/>
               </a:rPr>
@@ -6052,7 +5958,7 @@
           <a:lstStyle/>
           <a:p>
             <a:r>
-              <a:rPr lang="en-US" altLang="ko-KR" sz="4000" dirty="0" smtClean="0">
+              <a:rPr lang="en-US" altLang="ko-KR" sz="4000" dirty="0">
                 <a:latin typeface="배달의민족 주아" pitchFamily="18" charset="-127"/>
                 <a:ea typeface="배달의민족 주아" pitchFamily="18" charset="-127"/>
               </a:rPr>
@@ -6182,7 +6088,7 @@
           </a:lstStyle>
           <a:p>
             <a:r>
-              <a:rPr lang="en-US" altLang="ko-KR" dirty="0" smtClean="0">
+              <a:rPr lang="en-US" altLang="ko-KR" dirty="0">
                 <a:solidFill>
                   <a:schemeClr val="accent5"/>
                 </a:solidFill>
@@ -6192,14 +6098,14 @@
               <a:t>S</a:t>
             </a:r>
             <a:r>
-              <a:rPr lang="en-US" altLang="ko-KR" dirty="0" smtClean="0">
+              <a:rPr lang="en-US" altLang="ko-KR" dirty="0">
                 <a:latin typeface="배달의민족 도현" pitchFamily="50" charset="-127"/>
                 <a:ea typeface="배달의민족 도현" pitchFamily="50" charset="-127"/>
               </a:rPr>
               <a:t>TART</a:t>
             </a:r>
             <a:r>
-              <a:rPr lang="en-US" altLang="ko-KR" dirty="0" smtClean="0">
+              <a:rPr lang="en-US" altLang="ko-KR" dirty="0">
                 <a:solidFill>
                   <a:schemeClr val="accent5"/>
                 </a:solidFill>
@@ -6209,7 +6115,7 @@
               <a:t>C</a:t>
             </a:r>
             <a:r>
-              <a:rPr lang="en-US" altLang="ko-KR" dirty="0" smtClean="0">
+              <a:rPr lang="en-US" altLang="ko-KR" dirty="0">
                 <a:latin typeface="배달의민족 도현" pitchFamily="50" charset="-127"/>
                 <a:ea typeface="배달의민족 도현" pitchFamily="50" charset="-127"/>
               </a:rPr>
@@ -6261,7 +6167,7 @@
           </a:lstStyle>
           <a:p>
             <a:r>
-              <a:rPr lang="ko-KR" altLang="en-US" sz="4000" dirty="0" err="1" smtClean="0">
+              <a:rPr lang="ko-KR" altLang="en-US" sz="4000" dirty="0" err="1">
                 <a:solidFill>
                   <a:schemeClr val="accent5"/>
                 </a:solidFill>
@@ -6414,7 +6320,7 @@
           <a:lstStyle/>
           <a:p>
             <a:r>
-              <a:rPr lang="en-US" altLang="ko-KR" sz="4000" dirty="0" smtClean="0">
+              <a:rPr lang="en-US" altLang="ko-KR" sz="4000" dirty="0">
                 <a:latin typeface="배달의민족 주아" pitchFamily="18" charset="-127"/>
                 <a:ea typeface="배달의민족 주아" pitchFamily="18" charset="-127"/>
               </a:rPr>
@@ -6544,7 +6450,7 @@
           </a:lstStyle>
           <a:p>
             <a:r>
-              <a:rPr lang="en-US" altLang="ko-KR" dirty="0" smtClean="0">
+              <a:rPr lang="en-US" altLang="ko-KR" dirty="0">
                 <a:solidFill>
                   <a:schemeClr val="accent5"/>
                 </a:solidFill>
@@ -6554,14 +6460,14 @@
               <a:t>S</a:t>
             </a:r>
             <a:r>
-              <a:rPr lang="en-US" altLang="ko-KR" dirty="0" smtClean="0">
+              <a:rPr lang="en-US" altLang="ko-KR" dirty="0">
                 <a:latin typeface="배달의민족 도현" pitchFamily="50" charset="-127"/>
                 <a:ea typeface="배달의민족 도현" pitchFamily="50" charset="-127"/>
               </a:rPr>
               <a:t>TART</a:t>
             </a:r>
             <a:r>
-              <a:rPr lang="en-US" altLang="ko-KR" dirty="0" smtClean="0">
+              <a:rPr lang="en-US" altLang="ko-KR" dirty="0">
                 <a:solidFill>
                   <a:schemeClr val="accent5"/>
                 </a:solidFill>
@@ -6571,7 +6477,7 @@
               <a:t>C</a:t>
             </a:r>
             <a:r>
-              <a:rPr lang="en-US" altLang="ko-KR" dirty="0" smtClean="0">
+              <a:rPr lang="en-US" altLang="ko-KR" dirty="0">
                 <a:latin typeface="배달의민족 도현" pitchFamily="50" charset="-127"/>
                 <a:ea typeface="배달의민족 도현" pitchFamily="50" charset="-127"/>
               </a:rPr>
@@ -6623,7 +6529,7 @@
           </a:lstStyle>
           <a:p>
             <a:r>
-              <a:rPr lang="ko-KR" altLang="en-US" sz="4000" dirty="0" smtClean="0">
+              <a:rPr lang="ko-KR" altLang="en-US" sz="4000" dirty="0">
                 <a:solidFill>
                   <a:schemeClr val="accent5"/>
                 </a:solidFill>
@@ -6633,7 +6539,7 @@
               <a:t>위아래 </a:t>
             </a:r>
             <a:r>
-              <a:rPr lang="en-US" altLang="ko-KR" sz="4000" dirty="0" smtClean="0">
+              <a:rPr lang="en-US" altLang="ko-KR" sz="4000" dirty="0">
                 <a:solidFill>
                   <a:schemeClr val="accent5"/>
                 </a:solidFill>
@@ -6643,7 +6549,7 @@
               <a:t>25px, </a:t>
             </a:r>
             <a:r>
-              <a:rPr lang="ko-KR" altLang="en-US" sz="4000" dirty="0" smtClean="0">
+              <a:rPr lang="ko-KR" altLang="en-US" sz="4000" dirty="0">
                 <a:solidFill>
                   <a:schemeClr val="accent5"/>
                 </a:solidFill>
@@ -6653,7 +6559,7 @@
               <a:t>좌우 </a:t>
             </a:r>
             <a:r>
-              <a:rPr lang="en-US" altLang="ko-KR" sz="4000" dirty="0" smtClean="0">
+              <a:rPr lang="en-US" altLang="ko-KR" sz="4000" dirty="0">
                 <a:solidFill>
                   <a:schemeClr val="accent5"/>
                 </a:solidFill>
@@ -6804,23 +6710,19 @@
           <a:lstStyle/>
           <a:p>
             <a:r>
-              <a:rPr lang="en-US" altLang="ko-KR" dirty="0" smtClean="0">
+              <a:rPr lang="en-US" altLang="ko-KR" dirty="0">
                 <a:latin typeface="배달의민족 주아" pitchFamily="18" charset="-127"/>
                 <a:ea typeface="배달의민족 주아" pitchFamily="18" charset="-127"/>
               </a:rPr>
               <a:t>border </a:t>
             </a:r>
             <a:r>
-              <a:rPr lang="ko-KR" altLang="en-US" dirty="0" smtClean="0">
+              <a:rPr lang="ko-KR" altLang="en-US" dirty="0">
                 <a:latin typeface="배달의민족 주아" pitchFamily="18" charset="-127"/>
                 <a:ea typeface="배달의민족 주아" pitchFamily="18" charset="-127"/>
               </a:rPr>
               <a:t>적용방법</a:t>
             </a:r>
-            <a:endParaRPr lang="ko-KR" altLang="en-US" dirty="0">
-              <a:latin typeface="배달의민족 주아" pitchFamily="18" charset="-127"/>
-              <a:ea typeface="배달의민족 주아" pitchFamily="18" charset="-127"/>
-            </a:endParaRPr>
           </a:p>
         </p:txBody>
       </p:sp>
@@ -6941,7 +6843,7 @@
           </a:lstStyle>
           <a:p>
             <a:r>
-              <a:rPr lang="en-US" altLang="ko-KR" dirty="0" smtClean="0">
+              <a:rPr lang="en-US" altLang="ko-KR" dirty="0">
                 <a:solidFill>
                   <a:schemeClr val="accent5"/>
                 </a:solidFill>
@@ -6951,14 +6853,14 @@
               <a:t>S</a:t>
             </a:r>
             <a:r>
-              <a:rPr lang="en-US" altLang="ko-KR" dirty="0" smtClean="0">
+              <a:rPr lang="en-US" altLang="ko-KR" dirty="0">
                 <a:latin typeface="배달의민족 도현" pitchFamily="50" charset="-127"/>
                 <a:ea typeface="배달의민족 도현" pitchFamily="50" charset="-127"/>
               </a:rPr>
               <a:t>TART</a:t>
             </a:r>
             <a:r>
-              <a:rPr lang="en-US" altLang="ko-KR" dirty="0" smtClean="0">
+              <a:rPr lang="en-US" altLang="ko-KR" dirty="0">
                 <a:solidFill>
                   <a:schemeClr val="accent5"/>
                 </a:solidFill>
@@ -6968,7 +6870,7 @@
               <a:t>C</a:t>
             </a:r>
             <a:r>
-              <a:rPr lang="en-US" altLang="ko-KR" dirty="0" smtClean="0">
+              <a:rPr lang="en-US" altLang="ko-KR" dirty="0">
                 <a:latin typeface="배달의민족 도현" pitchFamily="50" charset="-127"/>
                 <a:ea typeface="배달의민족 도현" pitchFamily="50" charset="-127"/>
               </a:rPr>
@@ -6991,13 +6893,6 @@
   <p:clrMapOvr>
     <a:masterClrMapping/>
   </p:clrMapOvr>
-  <p:timing>
-    <p:tnLst>
-      <p:par>
-        <p:cTn id="1" dur="indefinite" restart="never" nodeType="tmRoot"/>
-      </p:par>
-    </p:tnLst>
-  </p:timing>
 </p:sld>
 </file>
 
@@ -7041,28 +6936,28 @@
               <a:t> </a:t>
             </a:r>
             <a:r>
-              <a:rPr lang="ko-KR" altLang="en-US" dirty="0" smtClean="0">
+              <a:rPr lang="ko-KR" altLang="en-US" dirty="0">
                 <a:latin typeface="배달의민족 주아" pitchFamily="18" charset="-127"/>
                 <a:ea typeface="배달의민족 주아" pitchFamily="18" charset="-127"/>
               </a:rPr>
               <a:t>잠깐</a:t>
             </a:r>
             <a:r>
-              <a:rPr lang="en-US" altLang="ko-KR" dirty="0" smtClean="0">
+              <a:rPr lang="en-US" altLang="ko-KR" dirty="0">
                 <a:latin typeface="배달의민족 주아" pitchFamily="18" charset="-127"/>
                 <a:ea typeface="배달의민족 주아" pitchFamily="18" charset="-127"/>
               </a:rPr>
               <a:t>, </a:t>
             </a:r>
             <a:r>
-              <a:rPr lang="ko-KR" altLang="en-US" dirty="0" smtClean="0">
+              <a:rPr lang="ko-KR" altLang="en-US" dirty="0">
                 <a:latin typeface="배달의민족 주아" pitchFamily="18" charset="-127"/>
                 <a:ea typeface="배달의민족 주아" pitchFamily="18" charset="-127"/>
               </a:rPr>
               <a:t>가운데 정렬 방법</a:t>
             </a:r>
             <a:r>
-              <a:rPr lang="en-US" altLang="ko-KR" dirty="0" smtClean="0">
+              <a:rPr lang="en-US" altLang="ko-KR" dirty="0">
                 <a:latin typeface="배달의민족 주아" pitchFamily="18" charset="-127"/>
                 <a:ea typeface="배달의민족 주아" pitchFamily="18" charset="-127"/>
               </a:rPr>
@@ -7192,7 +7087,7 @@
           </a:lstStyle>
           <a:p>
             <a:r>
-              <a:rPr lang="en-US" altLang="ko-KR" dirty="0" smtClean="0">
+              <a:rPr lang="en-US" altLang="ko-KR" dirty="0">
                 <a:solidFill>
                   <a:schemeClr val="accent5"/>
                 </a:solidFill>
@@ -7202,14 +7097,14 @@
               <a:t>S</a:t>
             </a:r>
             <a:r>
-              <a:rPr lang="en-US" altLang="ko-KR" dirty="0" smtClean="0">
+              <a:rPr lang="en-US" altLang="ko-KR" dirty="0">
                 <a:latin typeface="배달의민족 도현" pitchFamily="50" charset="-127"/>
                 <a:ea typeface="배달의민족 도현" pitchFamily="50" charset="-127"/>
               </a:rPr>
               <a:t>TART</a:t>
             </a:r>
             <a:r>
-              <a:rPr lang="en-US" altLang="ko-KR" dirty="0" smtClean="0">
+              <a:rPr lang="en-US" altLang="ko-KR" dirty="0">
                 <a:solidFill>
                   <a:schemeClr val="accent5"/>
                 </a:solidFill>
@@ -7219,7 +7114,7 @@
               <a:t>C</a:t>
             </a:r>
             <a:r>
-              <a:rPr lang="en-US" altLang="ko-KR" dirty="0" smtClean="0">
+              <a:rPr lang="en-US" altLang="ko-KR" dirty="0">
                 <a:latin typeface="배달의민족 도현" pitchFamily="50" charset="-127"/>
                 <a:ea typeface="배달의민족 도현" pitchFamily="50" charset="-127"/>
               </a:rPr>
@@ -7242,13 +7137,6 @@
   <p:clrMapOvr>
     <a:masterClrMapping/>
   </p:clrMapOvr>
-  <p:timing>
-    <p:tnLst>
-      <p:par>
-        <p:cTn id="1" dur="indefinite" restart="never" nodeType="tmRoot"/>
-      </p:par>
-    </p:tnLst>
-  </p:timing>
 </p:sld>
 </file>
 
@@ -7292,14 +7180,14 @@
           <a:lstStyle/>
           <a:p>
             <a:r>
-              <a:rPr lang="en-US" altLang="ko-KR" sz="4000" dirty="0" smtClean="0">
+              <a:rPr lang="en-US" altLang="ko-KR" sz="4000" dirty="0">
                 <a:latin typeface="배달의민족 주아" pitchFamily="18" charset="-127"/>
                 <a:ea typeface="배달의민족 주아" pitchFamily="18" charset="-127"/>
               </a:rPr>
               <a:t>border : </a:t>
             </a:r>
             <a:r>
-              <a:rPr lang="en-US" altLang="ko-KR" sz="4000" dirty="0" smtClean="0">
+              <a:rPr lang="en-US" altLang="ko-KR" sz="4000" dirty="0">
                 <a:solidFill>
                   <a:schemeClr val="accent5"/>
                 </a:solidFill>
@@ -7309,7 +7197,7 @@
               <a:t>1px solid black</a:t>
             </a:r>
             <a:r>
-              <a:rPr lang="en-US" altLang="ko-KR" sz="4000" dirty="0" smtClean="0">
+              <a:rPr lang="en-US" altLang="ko-KR" sz="4000" dirty="0">
                 <a:latin typeface="배달의민족 주아" pitchFamily="18" charset="-127"/>
                 <a:ea typeface="배달의민족 주아" pitchFamily="18" charset="-127"/>
               </a:rPr>
@@ -7439,7 +7327,7 @@
           </a:lstStyle>
           <a:p>
             <a:r>
-              <a:rPr lang="en-US" altLang="ko-KR" dirty="0" smtClean="0">
+              <a:rPr lang="en-US" altLang="ko-KR" dirty="0">
                 <a:solidFill>
                   <a:schemeClr val="accent5"/>
                 </a:solidFill>
@@ -7449,14 +7337,14 @@
               <a:t>S</a:t>
             </a:r>
             <a:r>
-              <a:rPr lang="en-US" altLang="ko-KR" dirty="0" smtClean="0">
+              <a:rPr lang="en-US" altLang="ko-KR" dirty="0">
                 <a:latin typeface="배달의민족 도현" pitchFamily="50" charset="-127"/>
                 <a:ea typeface="배달의민족 도현" pitchFamily="50" charset="-127"/>
               </a:rPr>
               <a:t>TART</a:t>
             </a:r>
             <a:r>
-              <a:rPr lang="en-US" altLang="ko-KR" dirty="0" smtClean="0">
+              <a:rPr lang="en-US" altLang="ko-KR" dirty="0">
                 <a:solidFill>
                   <a:schemeClr val="accent5"/>
                 </a:solidFill>
@@ -7466,7 +7354,7 @@
               <a:t>C</a:t>
             </a:r>
             <a:r>
-              <a:rPr lang="en-US" altLang="ko-KR" dirty="0" smtClean="0">
+              <a:rPr lang="en-US" altLang="ko-KR" dirty="0">
                 <a:latin typeface="배달의민족 도현" pitchFamily="50" charset="-127"/>
                 <a:ea typeface="배달의민족 도현" pitchFamily="50" charset="-127"/>
               </a:rPr>
@@ -7518,49 +7406,49 @@
           </a:lstStyle>
           <a:p>
             <a:r>
-              <a:rPr lang="en-US" altLang="ko-KR" sz="4000" dirty="0" smtClean="0">
+              <a:rPr lang="en-US" altLang="ko-KR" sz="4000" dirty="0">
                 <a:latin typeface="배달의민족 주아" pitchFamily="18" charset="-127"/>
                 <a:ea typeface="배달의민족 주아" pitchFamily="18" charset="-127"/>
               </a:rPr>
               <a:t>border : </a:t>
             </a:r>
             <a:r>
-              <a:rPr lang="ko-KR" altLang="en-US" sz="4000" dirty="0" smtClean="0">
+              <a:rPr lang="ko-KR" altLang="en-US" sz="4000" dirty="0">
                 <a:latin typeface="배달의민족 주아" pitchFamily="18" charset="-127"/>
                 <a:ea typeface="배달의민족 주아" pitchFamily="18" charset="-127"/>
               </a:rPr>
               <a:t>두께</a:t>
             </a:r>
             <a:r>
-              <a:rPr lang="en-US" altLang="ko-KR" sz="4000" dirty="0" smtClean="0">
+              <a:rPr lang="en-US" altLang="ko-KR" sz="4000" dirty="0">
                 <a:latin typeface="배달의민족 주아" pitchFamily="18" charset="-127"/>
                 <a:ea typeface="배달의민족 주아" pitchFamily="18" charset="-127"/>
               </a:rPr>
               <a:t> </a:t>
             </a:r>
             <a:r>
-              <a:rPr lang="ko-KR" altLang="en-US" sz="4000" dirty="0" smtClean="0">
+              <a:rPr lang="ko-KR" altLang="en-US" sz="4000" dirty="0">
                 <a:latin typeface="배달의민족 주아" pitchFamily="18" charset="-127"/>
                 <a:ea typeface="배달의민족 주아" pitchFamily="18" charset="-127"/>
               </a:rPr>
               <a:t>형태</a:t>
             </a:r>
             <a:r>
-              <a:rPr lang="en-US" altLang="ko-KR" sz="4000" dirty="0" smtClean="0">
+              <a:rPr lang="en-US" altLang="ko-KR" sz="4000" dirty="0">
                 <a:latin typeface="배달의민족 주아" pitchFamily="18" charset="-127"/>
                 <a:ea typeface="배달의민족 주아" pitchFamily="18" charset="-127"/>
               </a:rPr>
               <a:t> </a:t>
             </a:r>
             <a:r>
-              <a:rPr lang="ko-KR" altLang="en-US" sz="4000" dirty="0" smtClean="0">
+              <a:rPr lang="ko-KR" altLang="en-US" sz="4000" dirty="0">
                 <a:latin typeface="배달의민족 주아" pitchFamily="18" charset="-127"/>
                 <a:ea typeface="배달의민족 주아" pitchFamily="18" charset="-127"/>
               </a:rPr>
               <a:t>색깔</a:t>
             </a:r>
             <a:r>
-              <a:rPr lang="en-US" altLang="ko-KR" sz="4000" dirty="0" smtClean="0">
+              <a:rPr lang="en-US" altLang="ko-KR" sz="4000" dirty="0">
                 <a:latin typeface="배달의민족 주아" pitchFamily="18" charset="-127"/>
                 <a:ea typeface="배달의민족 주아" pitchFamily="18" charset="-127"/>
               </a:rPr>
@@ -7705,7 +7593,7 @@
           <a:lstStyle/>
           <a:p>
             <a:r>
-              <a:rPr lang="en-US" altLang="ko-KR" dirty="0" smtClean="0">
+              <a:rPr lang="en-US" altLang="ko-KR" dirty="0">
                 <a:latin typeface="배달의민족 주아" pitchFamily="18" charset="-127"/>
                 <a:ea typeface="배달의민족 주아" pitchFamily="18" charset="-127"/>
               </a:rPr>
@@ -7835,7 +7723,7 @@
           </a:lstStyle>
           <a:p>
             <a:r>
-              <a:rPr lang="en-US" altLang="ko-KR" dirty="0" smtClean="0">
+              <a:rPr lang="en-US" altLang="ko-KR" dirty="0">
                 <a:solidFill>
                   <a:schemeClr val="accent5"/>
                 </a:solidFill>
@@ -7845,14 +7733,14 @@
               <a:t>S</a:t>
             </a:r>
             <a:r>
-              <a:rPr lang="en-US" altLang="ko-KR" dirty="0" smtClean="0">
+              <a:rPr lang="en-US" altLang="ko-KR" dirty="0">
                 <a:latin typeface="배달의민족 도현" pitchFamily="50" charset="-127"/>
                 <a:ea typeface="배달의민족 도현" pitchFamily="50" charset="-127"/>
               </a:rPr>
               <a:t>TART</a:t>
             </a:r>
             <a:r>
-              <a:rPr lang="en-US" altLang="ko-KR" dirty="0" smtClean="0">
+              <a:rPr lang="en-US" altLang="ko-KR" dirty="0">
                 <a:solidFill>
                   <a:schemeClr val="accent5"/>
                 </a:solidFill>
@@ -7862,7 +7750,7 @@
               <a:t>C</a:t>
             </a:r>
             <a:r>
-              <a:rPr lang="en-US" altLang="ko-KR" dirty="0" smtClean="0">
+              <a:rPr lang="en-US" altLang="ko-KR" dirty="0">
                 <a:latin typeface="배달의민족 도현" pitchFamily="50" charset="-127"/>
                 <a:ea typeface="배달의민족 도현" pitchFamily="50" charset="-127"/>
               </a:rPr>
@@ -7885,13 +7773,6 @@
   <p:clrMapOvr>
     <a:masterClrMapping/>
   </p:clrMapOvr>
-  <p:timing>
-    <p:tnLst>
-      <p:par>
-        <p:cTn id="1" dur="indefinite" restart="never" nodeType="tmRoot"/>
-      </p:par>
-    </p:tnLst>
-  </p:timing>
 </p:sld>
 </file>
 
@@ -7928,14 +7809,14 @@
           <a:lstStyle/>
           <a:p>
             <a:r>
-              <a:rPr lang="ko-KR" altLang="en-US" dirty="0" smtClean="0">
+              <a:rPr lang="ko-KR" altLang="en-US" dirty="0">
                 <a:latin typeface="배달의민족 주아" pitchFamily="18" charset="-127"/>
                 <a:ea typeface="배달의민족 주아" pitchFamily="18" charset="-127"/>
               </a:rPr>
               <a:t>모서리를 </a:t>
             </a:r>
             <a:r>
-              <a:rPr lang="ko-KR" altLang="en-US" dirty="0" smtClean="0">
+              <a:rPr lang="ko-KR" altLang="en-US" dirty="0">
                 <a:solidFill>
                   <a:schemeClr val="accent5"/>
                 </a:solidFill>
@@ -7945,16 +7826,12 @@
               <a:t>둥글게</a:t>
             </a:r>
             <a:r>
-              <a:rPr lang="ko-KR" altLang="en-US" dirty="0" smtClean="0">
+              <a:rPr lang="ko-KR" altLang="en-US" dirty="0">
                 <a:latin typeface="배달의민족 주아" pitchFamily="18" charset="-127"/>
                 <a:ea typeface="배달의민족 주아" pitchFamily="18" charset="-127"/>
               </a:rPr>
               <a:t> 만들자</a:t>
             </a:r>
-            <a:endParaRPr lang="ko-KR" altLang="en-US" dirty="0">
-              <a:latin typeface="배달의민족 주아" pitchFamily="18" charset="-127"/>
-              <a:ea typeface="배달의민족 주아" pitchFamily="18" charset="-127"/>
-            </a:endParaRPr>
           </a:p>
         </p:txBody>
       </p:sp>
@@ -8075,7 +7952,7 @@
           </a:lstStyle>
           <a:p>
             <a:r>
-              <a:rPr lang="en-US" altLang="ko-KR" dirty="0" smtClean="0">
+              <a:rPr lang="en-US" altLang="ko-KR" dirty="0">
                 <a:solidFill>
                   <a:schemeClr val="accent5"/>
                 </a:solidFill>
@@ -8085,14 +7962,14 @@
               <a:t>S</a:t>
             </a:r>
             <a:r>
-              <a:rPr lang="en-US" altLang="ko-KR" dirty="0" smtClean="0">
+              <a:rPr lang="en-US" altLang="ko-KR" dirty="0">
                 <a:latin typeface="배달의민족 도현" pitchFamily="50" charset="-127"/>
                 <a:ea typeface="배달의민족 도현" pitchFamily="50" charset="-127"/>
               </a:rPr>
               <a:t>TART</a:t>
             </a:r>
             <a:r>
-              <a:rPr lang="en-US" altLang="ko-KR" dirty="0" smtClean="0">
+              <a:rPr lang="en-US" altLang="ko-KR" dirty="0">
                 <a:solidFill>
                   <a:schemeClr val="accent5"/>
                 </a:solidFill>
@@ -8102,7 +7979,7 @@
               <a:t>C</a:t>
             </a:r>
             <a:r>
-              <a:rPr lang="en-US" altLang="ko-KR" dirty="0" smtClean="0">
+              <a:rPr lang="en-US" altLang="ko-KR" dirty="0">
                 <a:latin typeface="배달의민족 도현" pitchFamily="50" charset="-127"/>
                 <a:ea typeface="배달의민족 도현" pitchFamily="50" charset="-127"/>
               </a:rPr>
@@ -8154,7 +8031,7 @@
           </a:lstStyle>
           <a:p>
             <a:r>
-              <a:rPr lang="en-US" altLang="ko-KR" dirty="0" smtClean="0">
+              <a:rPr lang="en-US" altLang="ko-KR" dirty="0">
                 <a:latin typeface="배달의민족 주아" pitchFamily="18" charset="-127"/>
                 <a:ea typeface="배달의민족 주아" pitchFamily="18" charset="-127"/>
               </a:rPr>
@@ -8177,13 +8054,6 @@
   <p:clrMapOvr>
     <a:masterClrMapping/>
   </p:clrMapOvr>
-  <p:timing>
-    <p:tnLst>
-      <p:par>
-        <p:cTn id="1" dur="indefinite" restart="never" nodeType="tmRoot"/>
-      </p:par>
-    </p:tnLst>
-  </p:timing>
 </p:sld>
 </file>
 
@@ -8243,16 +8113,12 @@
           </a:lstStyle>
           <a:p>
             <a:r>
-              <a:rPr lang="ko-KR" altLang="en-US" dirty="0" smtClean="0">
+              <a:rPr lang="ko-KR" altLang="en-US" dirty="0">
                 <a:latin typeface="배달의민족 주아" pitchFamily="18" charset="-127"/>
                 <a:ea typeface="배달의민족 주아" pitchFamily="18" charset="-127"/>
               </a:rPr>
               <a:t>감사합니다</a:t>
             </a:r>
-            <a:endParaRPr lang="ko-KR" altLang="en-US" dirty="0">
-              <a:latin typeface="배달의민족 주아" pitchFamily="18" charset="-127"/>
-              <a:ea typeface="배달의민족 주아" pitchFamily="18" charset="-127"/>
-            </a:endParaRPr>
           </a:p>
         </p:txBody>
       </p:sp>
@@ -8373,7 +8239,7 @@
           </a:lstStyle>
           <a:p>
             <a:r>
-              <a:rPr lang="en-US" altLang="ko-KR" dirty="0" smtClean="0">
+              <a:rPr lang="en-US" altLang="ko-KR" dirty="0">
                 <a:solidFill>
                   <a:schemeClr val="accent5"/>
                 </a:solidFill>
@@ -8383,14 +8249,14 @@
               <a:t>S</a:t>
             </a:r>
             <a:r>
-              <a:rPr lang="en-US" altLang="ko-KR" dirty="0" smtClean="0">
+              <a:rPr lang="en-US" altLang="ko-KR" dirty="0">
                 <a:latin typeface="배달의민족 도현" pitchFamily="50" charset="-127"/>
                 <a:ea typeface="배달의민족 도현" pitchFamily="50" charset="-127"/>
               </a:rPr>
               <a:t>TART</a:t>
             </a:r>
             <a:r>
-              <a:rPr lang="en-US" altLang="ko-KR" dirty="0" smtClean="0">
+              <a:rPr lang="en-US" altLang="ko-KR" dirty="0">
                 <a:solidFill>
                   <a:schemeClr val="accent5"/>
                 </a:solidFill>
@@ -8400,7 +8266,7 @@
               <a:t>C</a:t>
             </a:r>
             <a:r>
-              <a:rPr lang="en-US" altLang="ko-KR" dirty="0" smtClean="0">
+              <a:rPr lang="en-US" altLang="ko-KR" dirty="0">
                 <a:latin typeface="배달의민족 도현" pitchFamily="50" charset="-127"/>
                 <a:ea typeface="배달의민족 도현" pitchFamily="50" charset="-127"/>
               </a:rPr>
@@ -8423,13 +8289,6 @@
   <p:clrMapOvr>
     <a:masterClrMapping/>
   </p:clrMapOvr>
-  <p:timing>
-    <p:tnLst>
-      <p:par>
-        <p:cTn id="1" dur="indefinite" restart="never" nodeType="tmRoot"/>
-      </p:par>
-    </p:tnLst>
-  </p:timing>
 </p:sld>
 </file>
 
@@ -8466,7 +8325,7 @@
           <a:lstStyle/>
           <a:p>
             <a:r>
-              <a:rPr lang="en-US" altLang="ko-KR" dirty="0" smtClean="0">
+              <a:rPr lang="en-US" altLang="ko-KR" dirty="0">
                 <a:latin typeface="배달의민족 주아" pitchFamily="18" charset="-127"/>
                 <a:ea typeface="배달의민족 주아" pitchFamily="18" charset="-127"/>
               </a:rPr>
@@ -8596,7 +8455,7 @@
           </a:lstStyle>
           <a:p>
             <a:r>
-              <a:rPr lang="en-US" altLang="ko-KR" dirty="0" smtClean="0">
+              <a:rPr lang="en-US" altLang="ko-KR" dirty="0">
                 <a:solidFill>
                   <a:schemeClr val="accent5"/>
                 </a:solidFill>
@@ -8606,14 +8465,14 @@
               <a:t>S</a:t>
             </a:r>
             <a:r>
-              <a:rPr lang="en-US" altLang="ko-KR" dirty="0" smtClean="0">
+              <a:rPr lang="en-US" altLang="ko-KR" dirty="0">
                 <a:latin typeface="배달의민족 도현" pitchFamily="50" charset="-127"/>
                 <a:ea typeface="배달의민족 도현" pitchFamily="50" charset="-127"/>
               </a:rPr>
               <a:t>TART</a:t>
             </a:r>
             <a:r>
-              <a:rPr lang="en-US" altLang="ko-KR" dirty="0" smtClean="0">
+              <a:rPr lang="en-US" altLang="ko-KR" dirty="0">
                 <a:solidFill>
                   <a:schemeClr val="accent5"/>
                 </a:solidFill>
@@ -8623,7 +8482,7 @@
               <a:t>C</a:t>
             </a:r>
             <a:r>
-              <a:rPr lang="en-US" altLang="ko-KR" dirty="0" smtClean="0">
+              <a:rPr lang="en-US" altLang="ko-KR" dirty="0">
                 <a:latin typeface="배달의민족 도현" pitchFamily="50" charset="-127"/>
                 <a:ea typeface="배달의민족 도현" pitchFamily="50" charset="-127"/>
               </a:rPr>
@@ -8675,7 +8534,7 @@
           </a:lstStyle>
           <a:p>
             <a:r>
-              <a:rPr lang="en-US" altLang="ko-KR" sz="3600" dirty="0" smtClean="0">
+              <a:rPr lang="en-US" altLang="ko-KR" sz="3600" dirty="0">
                 <a:solidFill>
                   <a:schemeClr val="accent5"/>
                 </a:solidFill>
@@ -8685,7 +8544,7 @@
               <a:t>*block</a:t>
             </a:r>
             <a:r>
-              <a:rPr lang="ko-KR" altLang="en-US" sz="3600" dirty="0" err="1" smtClean="0">
+              <a:rPr lang="ko-KR" altLang="en-US" sz="3600" dirty="0" err="1">
                 <a:solidFill>
                   <a:schemeClr val="accent5"/>
                 </a:solidFill>
@@ -8695,7 +8554,7 @@
               <a:t>요소안의</a:t>
             </a:r>
             <a:r>
-              <a:rPr lang="ko-KR" altLang="en-US" sz="3600" dirty="0" smtClean="0">
+              <a:rPr lang="ko-KR" altLang="en-US" sz="3600" dirty="0">
                 <a:solidFill>
                   <a:schemeClr val="accent5"/>
                 </a:solidFill>
@@ -8705,7 +8564,7 @@
               <a:t> </a:t>
             </a:r>
             <a:r>
-              <a:rPr lang="en-US" altLang="ko-KR" sz="3600" dirty="0" smtClean="0">
+              <a:rPr lang="en-US" altLang="ko-KR" sz="3600" dirty="0">
                 <a:solidFill>
                   <a:schemeClr val="accent5"/>
                 </a:solidFill>
@@ -8715,7 +8574,7 @@
               <a:t>inline</a:t>
             </a:r>
             <a:r>
-              <a:rPr lang="ko-KR" altLang="en-US" sz="3600" dirty="0" smtClean="0">
+              <a:rPr lang="ko-KR" altLang="en-US" sz="3600" dirty="0">
                 <a:solidFill>
                   <a:schemeClr val="accent5"/>
                 </a:solidFill>
@@ -8724,13 +8583,6 @@
               </a:rPr>
               <a:t>요소를 정렬</a:t>
             </a:r>
-            <a:endParaRPr lang="ko-KR" altLang="en-US" sz="3600" dirty="0">
-              <a:solidFill>
-                <a:schemeClr val="accent5"/>
-              </a:solidFill>
-              <a:latin typeface="배달의민족 주아" pitchFamily="18" charset="-127"/>
-              <a:ea typeface="배달의민족 주아" pitchFamily="18" charset="-127"/>
-            </a:endParaRPr>
           </a:p>
         </p:txBody>
       </p:sp>
@@ -8967,7 +8819,7 @@
           </a:lstStyle>
           <a:p>
             <a:r>
-              <a:rPr lang="en-US" altLang="ko-KR" dirty="0" smtClean="0">
+              <a:rPr lang="en-US" altLang="ko-KR" dirty="0">
                 <a:solidFill>
                   <a:schemeClr val="accent5"/>
                 </a:solidFill>
@@ -8977,14 +8829,14 @@
               <a:t>S</a:t>
             </a:r>
             <a:r>
-              <a:rPr lang="en-US" altLang="ko-KR" dirty="0" smtClean="0">
+              <a:rPr lang="en-US" altLang="ko-KR" dirty="0">
                 <a:latin typeface="배달의민족 도현" pitchFamily="50" charset="-127"/>
                 <a:ea typeface="배달의민족 도현" pitchFamily="50" charset="-127"/>
               </a:rPr>
               <a:t>TART</a:t>
             </a:r>
             <a:r>
-              <a:rPr lang="en-US" altLang="ko-KR" dirty="0" smtClean="0">
+              <a:rPr lang="en-US" altLang="ko-KR" dirty="0">
                 <a:solidFill>
                   <a:schemeClr val="accent5"/>
                 </a:solidFill>
@@ -8994,7 +8846,7 @@
               <a:t>C</a:t>
             </a:r>
             <a:r>
-              <a:rPr lang="en-US" altLang="ko-KR" dirty="0" smtClean="0">
+              <a:rPr lang="en-US" altLang="ko-KR" dirty="0">
                 <a:latin typeface="배달의민족 도현" pitchFamily="50" charset="-127"/>
                 <a:ea typeface="배달의민족 도현" pitchFamily="50" charset="-127"/>
               </a:rPr>
@@ -9106,21 +8958,21 @@
           </a:lstStyle>
           <a:p>
             <a:r>
-              <a:rPr lang="en-US" altLang="ko-KR" sz="3600" dirty="0" smtClean="0">
+              <a:rPr lang="en-US" altLang="ko-KR" sz="3600" dirty="0">
                 <a:latin typeface="배달의민족 주아" pitchFamily="18" charset="-127"/>
                 <a:ea typeface="배달의민족 주아" pitchFamily="18" charset="-127"/>
               </a:rPr>
               <a:t>inline</a:t>
             </a:r>
             <a:r>
-              <a:rPr lang="ko-KR" altLang="en-US" sz="3600" dirty="0" smtClean="0">
+              <a:rPr lang="ko-KR" altLang="en-US" sz="3600" dirty="0">
                 <a:latin typeface="배달의민족 주아" pitchFamily="18" charset="-127"/>
                 <a:ea typeface="배달의민족 주아" pitchFamily="18" charset="-127"/>
               </a:rPr>
               <a:t>요소를 가운데 정렬하려면</a:t>
             </a:r>
             <a:r>
-              <a:rPr lang="en-US" altLang="ko-KR" sz="3600" dirty="0" smtClean="0">
+              <a:rPr lang="en-US" altLang="ko-KR" sz="3600" dirty="0">
                 <a:latin typeface="배달의민족 주아" pitchFamily="18" charset="-127"/>
                 <a:ea typeface="배달의민족 주아" pitchFamily="18" charset="-127"/>
               </a:rPr>
@@ -9129,7 +8981,7 @@
           </a:p>
           <a:p>
             <a:r>
-              <a:rPr lang="en-US" altLang="ko-KR" sz="3600" dirty="0" smtClean="0">
+              <a:rPr lang="en-US" altLang="ko-KR" sz="3600" dirty="0">
                 <a:solidFill>
                   <a:schemeClr val="accent5"/>
                 </a:solidFill>
@@ -9139,7 +8991,7 @@
               <a:t>=&gt; block</a:t>
             </a:r>
             <a:r>
-              <a:rPr lang="ko-KR" altLang="en-US" sz="3600" dirty="0" smtClean="0">
+              <a:rPr lang="ko-KR" altLang="en-US" sz="3600" dirty="0">
                 <a:solidFill>
                   <a:schemeClr val="accent5"/>
                 </a:solidFill>
@@ -9149,7 +9001,7 @@
               <a:t>요소로 묶고 </a:t>
             </a:r>
             <a:r>
-              <a:rPr lang="en-US" altLang="ko-KR" sz="3600" dirty="0" smtClean="0">
+              <a:rPr lang="en-US" altLang="ko-KR" sz="3600" dirty="0">
                 <a:solidFill>
                   <a:schemeClr val="accent5"/>
                 </a:solidFill>
@@ -9360,14 +9212,14 @@
               <a:t> </a:t>
             </a:r>
             <a:r>
-              <a:rPr lang="ko-KR" altLang="en-US" dirty="0" smtClean="0">
+              <a:rPr lang="ko-KR" altLang="en-US" dirty="0">
                 <a:latin typeface="배달의민족 주아" pitchFamily="18" charset="-127"/>
                 <a:ea typeface="배달의민족 주아" pitchFamily="18" charset="-127"/>
               </a:rPr>
               <a:t>박스모델</a:t>
             </a:r>
             <a:r>
-              <a:rPr lang="en-US" altLang="ko-KR" dirty="0" smtClean="0">
+              <a:rPr lang="en-US" altLang="ko-KR" dirty="0">
                 <a:latin typeface="배달의민족 주아" pitchFamily="18" charset="-127"/>
                 <a:ea typeface="배달의민족 주아" pitchFamily="18" charset="-127"/>
               </a:rPr>
@@ -9497,7 +9349,7 @@
           </a:lstStyle>
           <a:p>
             <a:r>
-              <a:rPr lang="en-US" altLang="ko-KR" dirty="0" smtClean="0">
+              <a:rPr lang="en-US" altLang="ko-KR" dirty="0">
                 <a:solidFill>
                   <a:schemeClr val="accent5"/>
                 </a:solidFill>
@@ -9507,14 +9359,14 @@
               <a:t>S</a:t>
             </a:r>
             <a:r>
-              <a:rPr lang="en-US" altLang="ko-KR" dirty="0" smtClean="0">
+              <a:rPr lang="en-US" altLang="ko-KR" dirty="0">
                 <a:latin typeface="배달의민족 도현" pitchFamily="50" charset="-127"/>
                 <a:ea typeface="배달의민족 도현" pitchFamily="50" charset="-127"/>
               </a:rPr>
               <a:t>TART</a:t>
             </a:r>
             <a:r>
-              <a:rPr lang="en-US" altLang="ko-KR" dirty="0" smtClean="0">
+              <a:rPr lang="en-US" altLang="ko-KR" dirty="0">
                 <a:solidFill>
                   <a:schemeClr val="accent5"/>
                 </a:solidFill>
@@ -9524,7 +9376,7 @@
               <a:t>C</a:t>
             </a:r>
             <a:r>
-              <a:rPr lang="en-US" altLang="ko-KR" dirty="0" smtClean="0">
+              <a:rPr lang="en-US" altLang="ko-KR" dirty="0">
                 <a:latin typeface="배달의민족 도현" pitchFamily="50" charset="-127"/>
                 <a:ea typeface="배달의민족 도현" pitchFamily="50" charset="-127"/>
               </a:rPr>
@@ -9547,13 +9399,6 @@
   <p:clrMapOvr>
     <a:masterClrMapping/>
   </p:clrMapOvr>
-  <p:timing>
-    <p:tnLst>
-      <p:par>
-        <p:cTn id="1" dur="indefinite" restart="never" nodeType="tmRoot"/>
-      </p:par>
-    </p:tnLst>
-  </p:timing>
 </p:sld>
 </file>
 
@@ -9613,48 +9458,48 @@
           </a:lstStyle>
           <a:p>
             <a:r>
-              <a:rPr lang="ko-KR" altLang="en-US" sz="3600" dirty="0" smtClean="0">
+              <a:rPr lang="ko-KR" altLang="en-US" sz="3600" dirty="0">
                 <a:latin typeface="배달의민족 주아" pitchFamily="18" charset="-127"/>
                 <a:ea typeface="배달의민족 주아" pitchFamily="18" charset="-127"/>
               </a:rPr>
               <a:t>모든 </a:t>
             </a:r>
             <a:r>
-              <a:rPr lang="en-US" altLang="ko-KR" sz="3600" dirty="0" smtClean="0">
+              <a:rPr lang="en-US" altLang="ko-KR" sz="3600" dirty="0">
                 <a:latin typeface="배달의민족 주아" pitchFamily="18" charset="-127"/>
                 <a:ea typeface="배달의민족 주아" pitchFamily="18" charset="-127"/>
               </a:rPr>
               <a:t>HTML </a:t>
             </a:r>
             <a:r>
-              <a:rPr lang="ko-KR" altLang="en-US" sz="3600" dirty="0" smtClean="0">
+              <a:rPr lang="ko-KR" altLang="en-US" sz="3600" dirty="0">
                 <a:latin typeface="배달의민족 주아" pitchFamily="18" charset="-127"/>
                 <a:ea typeface="배달의민족 주아" pitchFamily="18" charset="-127"/>
               </a:rPr>
               <a:t>태그는 </a:t>
             </a:r>
-            <a:endParaRPr lang="en-US" altLang="ko-KR" sz="3600" dirty="0" smtClean="0">
+            <a:endParaRPr lang="en-US" altLang="ko-KR" sz="3600" dirty="0">
               <a:latin typeface="배달의민족 주아" pitchFamily="18" charset="-127"/>
               <a:ea typeface="배달의민족 주아" pitchFamily="18" charset="-127"/>
             </a:endParaRPr>
           </a:p>
           <a:p>
             <a:r>
-              <a:rPr lang="en-US" altLang="ko-KR" sz="3600" dirty="0" smtClean="0">
+              <a:rPr lang="en-US" altLang="ko-KR" sz="3600" dirty="0">
                 <a:latin typeface="배달의민족 주아" pitchFamily="18" charset="-127"/>
                 <a:ea typeface="배달의민족 주아" pitchFamily="18" charset="-127"/>
               </a:rPr>
               <a:t>Box </a:t>
             </a:r>
             <a:r>
-              <a:rPr lang="ko-KR" altLang="en-US" sz="3600" dirty="0" smtClean="0">
+              <a:rPr lang="ko-KR" altLang="en-US" sz="3600" dirty="0">
                 <a:latin typeface="배달의민족 주아" pitchFamily="18" charset="-127"/>
                 <a:ea typeface="배달의민족 주아" pitchFamily="18" charset="-127"/>
               </a:rPr>
               <a:t>형태로 구성되어 있다</a:t>
             </a:r>
             <a:r>
-              <a:rPr lang="en-US" altLang="ko-KR" sz="3600" dirty="0" smtClean="0">
+              <a:rPr lang="en-US" altLang="ko-KR" sz="3600" dirty="0">
                 <a:latin typeface="배달의민족 주아" pitchFamily="18" charset="-127"/>
                 <a:ea typeface="배달의민족 주아" pitchFamily="18" charset="-127"/>
               </a:rPr>
@@ -9780,7 +9625,7 @@
           </a:lstStyle>
           <a:p>
             <a:r>
-              <a:rPr lang="en-US" altLang="ko-KR" dirty="0" smtClean="0">
+              <a:rPr lang="en-US" altLang="ko-KR" dirty="0">
                 <a:solidFill>
                   <a:schemeClr val="accent5"/>
                 </a:solidFill>
@@ -9790,14 +9635,14 @@
               <a:t>S</a:t>
             </a:r>
             <a:r>
-              <a:rPr lang="en-US" altLang="ko-KR" dirty="0" smtClean="0">
+              <a:rPr lang="en-US" altLang="ko-KR" dirty="0">
                 <a:latin typeface="배달의민족 도현" pitchFamily="50" charset="-127"/>
                 <a:ea typeface="배달의민족 도현" pitchFamily="50" charset="-127"/>
               </a:rPr>
               <a:t>TART</a:t>
             </a:r>
             <a:r>
-              <a:rPr lang="en-US" altLang="ko-KR" dirty="0" smtClean="0">
+              <a:rPr lang="en-US" altLang="ko-KR" dirty="0">
                 <a:solidFill>
                   <a:schemeClr val="accent5"/>
                 </a:solidFill>
@@ -9807,7 +9652,7 @@
               <a:t>C</a:t>
             </a:r>
             <a:r>
-              <a:rPr lang="en-US" altLang="ko-KR" dirty="0" smtClean="0">
+              <a:rPr lang="en-US" altLang="ko-KR" dirty="0">
                 <a:latin typeface="배달의민족 도현" pitchFamily="50" charset="-127"/>
                 <a:ea typeface="배달의민족 도현" pitchFamily="50" charset="-127"/>
               </a:rPr>
@@ -9857,18 +9702,11 @@
           <a:p>
             <a:pPr algn="ctr"/>
             <a:r>
-              <a:rPr lang="ko-KR" altLang="en-US" sz="2400" dirty="0" smtClean="0">
-                <a:latin typeface="배달의민족 주아" pitchFamily="18" charset="-127"/>
-                <a:ea typeface="배달의민족 주아" pitchFamily="18" charset="-127"/>
-              </a:rPr>
-              <a:t>크</a:t>
-            </a:r>
-            <a:r>
               <a:rPr lang="ko-KR" altLang="en-US" sz="2400" dirty="0">
                 <a:latin typeface="배달의민족 주아" pitchFamily="18" charset="-127"/>
                 <a:ea typeface="배달의민족 주아" pitchFamily="18" charset="-127"/>
               </a:rPr>
-              <a:t>기</a:t>
+              <a:t>크기</a:t>
             </a:r>
           </a:p>
         </p:txBody>
@@ -9910,16 +9748,12 @@
           <a:p>
             <a:pPr algn="ctr"/>
             <a:r>
-              <a:rPr lang="ko-KR" altLang="en-US" sz="2400" dirty="0" smtClean="0">
+              <a:rPr lang="ko-KR" altLang="en-US" sz="2400" dirty="0">
                 <a:latin typeface="배달의민족 주아" pitchFamily="18" charset="-127"/>
                 <a:ea typeface="배달의민족 주아" pitchFamily="18" charset="-127"/>
               </a:rPr>
               <a:t>여백</a:t>
             </a:r>
-            <a:endParaRPr lang="ko-KR" altLang="en-US" sz="2400" dirty="0">
-              <a:latin typeface="배달의민족 주아" pitchFamily="18" charset="-127"/>
-              <a:ea typeface="배달의민족 주아" pitchFamily="18" charset="-127"/>
-            </a:endParaRPr>
           </a:p>
         </p:txBody>
       </p:sp>
@@ -9960,16 +9794,12 @@
           <a:p>
             <a:pPr algn="ctr"/>
             <a:r>
-              <a:rPr lang="ko-KR" altLang="en-US" sz="2400" dirty="0" smtClean="0">
+              <a:rPr lang="ko-KR" altLang="en-US" sz="2400" dirty="0">
                 <a:latin typeface="배달의민족 주아" pitchFamily="18" charset="-127"/>
                 <a:ea typeface="배달의민족 주아" pitchFamily="18" charset="-127"/>
               </a:rPr>
               <a:t>테두리</a:t>
             </a:r>
-            <a:endParaRPr lang="ko-KR" altLang="en-US" sz="2400" dirty="0">
-              <a:latin typeface="배달의민족 주아" pitchFamily="18" charset="-127"/>
-              <a:ea typeface="배달의민족 주아" pitchFamily="18" charset="-127"/>
-            </a:endParaRPr>
           </a:p>
         </p:txBody>
       </p:sp>
@@ -10243,20 +10073,20 @@
           <a:p>
             <a:pPr algn="ctr"/>
             <a:r>
-              <a:rPr lang="en-US" altLang="ko-KR" dirty="0" smtClean="0">
+              <a:rPr lang="en-US" altLang="ko-KR" dirty="0">
                 <a:latin typeface="배달의민족 주아" pitchFamily="18" charset="-127"/>
                 <a:ea typeface="배달의민족 주아" pitchFamily="18" charset="-127"/>
               </a:rPr>
               <a:t>margin  </a:t>
             </a:r>
             <a:r>
-              <a:rPr lang="ko-KR" altLang="en-US" dirty="0" smtClean="0">
+              <a:rPr lang="ko-KR" altLang="en-US" dirty="0">
                 <a:latin typeface="배달의민족 주아" pitchFamily="18" charset="-127"/>
                 <a:ea typeface="배달의민족 주아" pitchFamily="18" charset="-127"/>
               </a:rPr>
               <a:t>영역</a:t>
             </a:r>
-            <a:endParaRPr lang="en-US" altLang="ko-KR" dirty="0" smtClean="0">
+            <a:endParaRPr lang="en-US" altLang="ko-KR" dirty="0">
               <a:latin typeface="배달의민족 주아" pitchFamily="18" charset="-127"/>
               <a:ea typeface="배달의민족 주아" pitchFamily="18" charset="-127"/>
             </a:endParaRPr>
@@ -10270,7 +10100,7 @@
           </a:p>
           <a:p>
             <a:pPr algn="ctr"/>
-            <a:endParaRPr lang="en-US" altLang="ko-KR" dirty="0" smtClean="0">
+            <a:endParaRPr lang="en-US" altLang="ko-KR" dirty="0">
               <a:latin typeface="배달의민족 주아" pitchFamily="18" charset="-127"/>
               <a:ea typeface="배달의민족 주아" pitchFamily="18" charset="-127"/>
             </a:endParaRPr>
@@ -10284,7 +10114,7 @@
           </a:p>
           <a:p>
             <a:pPr algn="ctr"/>
-            <a:endParaRPr lang="en-US" altLang="ko-KR" dirty="0" smtClean="0">
+            <a:endParaRPr lang="en-US" altLang="ko-KR" dirty="0">
               <a:latin typeface="배달의민족 주아" pitchFamily="18" charset="-127"/>
               <a:ea typeface="배달의민족 주아" pitchFamily="18" charset="-127"/>
             </a:endParaRPr>
@@ -10298,14 +10128,7 @@
           </a:p>
           <a:p>
             <a:pPr algn="ctr"/>
-            <a:endParaRPr lang="en-US" altLang="ko-KR" dirty="0" smtClean="0">
-              <a:latin typeface="배달의민족 주아" pitchFamily="18" charset="-127"/>
-              <a:ea typeface="배달의민족 주아" pitchFamily="18" charset="-127"/>
-            </a:endParaRPr>
-          </a:p>
-          <a:p>
-            <a:pPr algn="ctr"/>
-            <a:endParaRPr lang="en-US" altLang="ko-KR" dirty="0" smtClean="0">
+            <a:endParaRPr lang="en-US" altLang="ko-KR" dirty="0">
               <a:latin typeface="배달의민족 주아" pitchFamily="18" charset="-127"/>
               <a:ea typeface="배달의민족 주아" pitchFamily="18" charset="-127"/>
             </a:endParaRPr>
@@ -10319,7 +10142,14 @@
           </a:p>
           <a:p>
             <a:pPr algn="ctr"/>
-            <a:endParaRPr lang="en-US" altLang="ko-KR" dirty="0" smtClean="0">
+            <a:endParaRPr lang="en-US" altLang="ko-KR" dirty="0">
+              <a:latin typeface="배달의민족 주아" pitchFamily="18" charset="-127"/>
+              <a:ea typeface="배달의민족 주아" pitchFamily="18" charset="-127"/>
+            </a:endParaRPr>
+          </a:p>
+          <a:p>
+            <a:pPr algn="ctr"/>
+            <a:endParaRPr lang="en-US" altLang="ko-KR" dirty="0">
               <a:latin typeface="배달의민족 주아" pitchFamily="18" charset="-127"/>
               <a:ea typeface="배달의민족 주아" pitchFamily="18" charset="-127"/>
             </a:endParaRPr>
@@ -10362,20 +10192,20 @@
           <a:p>
             <a:pPr algn="ctr"/>
             <a:r>
-              <a:rPr lang="en-US" altLang="ko-KR" dirty="0" smtClean="0">
+              <a:rPr lang="en-US" altLang="ko-KR" dirty="0">
                 <a:latin typeface="배달의민족 주아" pitchFamily="18" charset="-127"/>
                 <a:ea typeface="배달의민족 주아" pitchFamily="18" charset="-127"/>
               </a:rPr>
               <a:t>border </a:t>
             </a:r>
             <a:r>
-              <a:rPr lang="ko-KR" altLang="en-US" dirty="0" smtClean="0">
+              <a:rPr lang="ko-KR" altLang="en-US" dirty="0">
                 <a:latin typeface="배달의민족 주아" pitchFamily="18" charset="-127"/>
                 <a:ea typeface="배달의민족 주아" pitchFamily="18" charset="-127"/>
               </a:rPr>
               <a:t>영역</a:t>
             </a:r>
-            <a:endParaRPr lang="en-US" altLang="ko-KR" dirty="0" smtClean="0">
+            <a:endParaRPr lang="en-US" altLang="ko-KR" dirty="0">
               <a:latin typeface="배달의민족 주아" pitchFamily="18" charset="-127"/>
               <a:ea typeface="배달의민족 주아" pitchFamily="18" charset="-127"/>
             </a:endParaRPr>
@@ -10389,7 +10219,7 @@
           </a:p>
           <a:p>
             <a:pPr algn="ctr"/>
-            <a:endParaRPr lang="en-US" altLang="ko-KR" dirty="0" smtClean="0">
+            <a:endParaRPr lang="en-US" altLang="ko-KR" dirty="0">
               <a:latin typeface="배달의민족 주아" pitchFamily="18" charset="-127"/>
               <a:ea typeface="배달의민족 주아" pitchFamily="18" charset="-127"/>
             </a:endParaRPr>
@@ -10403,7 +10233,7 @@
           </a:p>
           <a:p>
             <a:pPr algn="ctr"/>
-            <a:endParaRPr lang="en-US" altLang="ko-KR" dirty="0" smtClean="0">
+            <a:endParaRPr lang="en-US" altLang="ko-KR" dirty="0">
               <a:latin typeface="배달의민족 주아" pitchFamily="18" charset="-127"/>
               <a:ea typeface="배달의민족 주아" pitchFamily="18" charset="-127"/>
             </a:endParaRPr>
@@ -10417,7 +10247,7 @@
           </a:p>
           <a:p>
             <a:pPr algn="ctr"/>
-            <a:endParaRPr lang="en-US" altLang="ko-KR" dirty="0" smtClean="0">
+            <a:endParaRPr lang="en-US" altLang="ko-KR" dirty="0">
               <a:latin typeface="배달의민족 주아" pitchFamily="18" charset="-127"/>
               <a:ea typeface="배달의민족 주아" pitchFamily="18" charset="-127"/>
             </a:endParaRPr>
@@ -10453,20 +10283,20 @@
           <a:p>
             <a:pPr algn="ctr"/>
             <a:r>
-              <a:rPr lang="en-US" altLang="ko-KR" dirty="0" smtClean="0">
+              <a:rPr lang="en-US" altLang="ko-KR" dirty="0">
                 <a:latin typeface="배달의민족 주아" pitchFamily="18" charset="-127"/>
                 <a:ea typeface="배달의민족 주아" pitchFamily="18" charset="-127"/>
               </a:rPr>
               <a:t>Padding </a:t>
             </a:r>
             <a:r>
-              <a:rPr lang="ko-KR" altLang="en-US" dirty="0" smtClean="0">
+              <a:rPr lang="ko-KR" altLang="en-US" dirty="0">
                 <a:latin typeface="배달의민족 주아" pitchFamily="18" charset="-127"/>
                 <a:ea typeface="배달의민족 주아" pitchFamily="18" charset="-127"/>
               </a:rPr>
               <a:t>영역</a:t>
             </a:r>
-            <a:endParaRPr lang="en-US" altLang="ko-KR" dirty="0" smtClean="0">
+            <a:endParaRPr lang="en-US" altLang="ko-KR" dirty="0">
               <a:latin typeface="배달의민족 주아" pitchFamily="18" charset="-127"/>
               <a:ea typeface="배달의민족 주아" pitchFamily="18" charset="-127"/>
             </a:endParaRPr>
@@ -10480,7 +10310,7 @@
           </a:p>
           <a:p>
             <a:pPr algn="ctr"/>
-            <a:endParaRPr lang="en-US" altLang="ko-KR" dirty="0" smtClean="0">
+            <a:endParaRPr lang="en-US" altLang="ko-KR" dirty="0">
               <a:latin typeface="배달의민족 주아" pitchFamily="18" charset="-127"/>
               <a:ea typeface="배달의민족 주아" pitchFamily="18" charset="-127"/>
             </a:endParaRPr>
@@ -10611,7 +10441,7 @@
           </a:lstStyle>
           <a:p>
             <a:r>
-              <a:rPr lang="en-US" altLang="ko-KR" dirty="0" smtClean="0">
+              <a:rPr lang="en-US" altLang="ko-KR" dirty="0">
                 <a:solidFill>
                   <a:schemeClr val="accent5"/>
                 </a:solidFill>
@@ -10621,14 +10451,14 @@
               <a:t>S</a:t>
             </a:r>
             <a:r>
-              <a:rPr lang="en-US" altLang="ko-KR" dirty="0" smtClean="0">
+              <a:rPr lang="en-US" altLang="ko-KR" dirty="0">
                 <a:latin typeface="배달의민족 도현" pitchFamily="50" charset="-127"/>
                 <a:ea typeface="배달의민족 도현" pitchFamily="50" charset="-127"/>
               </a:rPr>
               <a:t>TART</a:t>
             </a:r>
             <a:r>
-              <a:rPr lang="en-US" altLang="ko-KR" dirty="0" smtClean="0">
+              <a:rPr lang="en-US" altLang="ko-KR" dirty="0">
                 <a:solidFill>
                   <a:schemeClr val="accent5"/>
                 </a:solidFill>
@@ -10638,7 +10468,7 @@
               <a:t>C</a:t>
             </a:r>
             <a:r>
-              <a:rPr lang="en-US" altLang="ko-KR" dirty="0" smtClean="0">
+              <a:rPr lang="en-US" altLang="ko-KR" dirty="0">
                 <a:latin typeface="배달의민족 도현" pitchFamily="50" charset="-127"/>
                 <a:ea typeface="배달의민족 도현" pitchFamily="50" charset="-127"/>
               </a:rPr>
@@ -10680,23 +10510,19 @@
           <a:p>
             <a:pPr algn="ctr"/>
             <a:r>
-              <a:rPr lang="en-US" altLang="ko-KR" dirty="0" smtClean="0">
+              <a:rPr lang="en-US" altLang="ko-KR" dirty="0">
                 <a:latin typeface="배달의민족 주아" pitchFamily="18" charset="-127"/>
                 <a:ea typeface="배달의민족 주아" pitchFamily="18" charset="-127"/>
               </a:rPr>
               <a:t>Content </a:t>
             </a:r>
             <a:r>
-              <a:rPr lang="ko-KR" altLang="en-US" dirty="0" smtClean="0">
+              <a:rPr lang="ko-KR" altLang="en-US" dirty="0">
                 <a:latin typeface="배달의민족 주아" pitchFamily="18" charset="-127"/>
                 <a:ea typeface="배달의민족 주아" pitchFamily="18" charset="-127"/>
               </a:rPr>
               <a:t>영역</a:t>
             </a:r>
-            <a:endParaRPr lang="ko-KR" altLang="en-US" dirty="0">
-              <a:latin typeface="배달의민족 주아" pitchFamily="18" charset="-127"/>
-              <a:ea typeface="배달의민족 주아" pitchFamily="18" charset="-127"/>
-            </a:endParaRPr>
           </a:p>
         </p:txBody>
       </p:sp>
@@ -10710,13 +10536,6 @@
   <p:clrMapOvr>
     <a:masterClrMapping/>
   </p:clrMapOvr>
-  <p:timing>
-    <p:tnLst>
-      <p:par>
-        <p:cTn id="1" dur="indefinite" restart="never" nodeType="tmRoot"/>
-      </p:par>
-    </p:tnLst>
-  </p:timing>
 </p:sld>
 </file>
 
@@ -10854,7 +10673,7 @@
           </a:lstStyle>
           <a:p>
             <a:r>
-              <a:rPr lang="en-US" altLang="ko-KR" dirty="0" smtClean="0">
+              <a:rPr lang="en-US" altLang="ko-KR" dirty="0">
                 <a:solidFill>
                   <a:schemeClr val="accent5"/>
                 </a:solidFill>
@@ -10864,14 +10683,14 @@
               <a:t>S</a:t>
             </a:r>
             <a:r>
-              <a:rPr lang="en-US" altLang="ko-KR" dirty="0" smtClean="0">
+              <a:rPr lang="en-US" altLang="ko-KR" dirty="0">
                 <a:latin typeface="배달의민족 도현" pitchFamily="50" charset="-127"/>
                 <a:ea typeface="배달의민족 도현" pitchFamily="50" charset="-127"/>
               </a:rPr>
               <a:t>TART</a:t>
             </a:r>
             <a:r>
-              <a:rPr lang="en-US" altLang="ko-KR" dirty="0" smtClean="0">
+              <a:rPr lang="en-US" altLang="ko-KR" dirty="0">
                 <a:solidFill>
                   <a:schemeClr val="accent5"/>
                 </a:solidFill>
@@ -10881,7 +10700,7 @@
               <a:t>C</a:t>
             </a:r>
             <a:r>
-              <a:rPr lang="en-US" altLang="ko-KR" dirty="0" smtClean="0">
+              <a:rPr lang="en-US" altLang="ko-KR" dirty="0">
                 <a:latin typeface="배달의민족 도현" pitchFamily="50" charset="-127"/>
                 <a:ea typeface="배달의민족 도현" pitchFamily="50" charset="-127"/>
               </a:rPr>
@@ -10933,34 +10752,34 @@
           </a:lstStyle>
           <a:p>
             <a:r>
-              <a:rPr lang="ko-KR" altLang="en-US" sz="2800" dirty="0" smtClean="0">
+              <a:rPr lang="ko-KR" altLang="en-US" sz="2800" dirty="0">
                 <a:latin typeface="배달의민족 주아" pitchFamily="18" charset="-127"/>
                 <a:ea typeface="배달의민족 주아" pitchFamily="18" charset="-127"/>
               </a:rPr>
               <a:t>텍스트나 </a:t>
             </a:r>
             <a:r>
-              <a:rPr lang="ko-KR" altLang="en-US" sz="2800" dirty="0" err="1" smtClean="0">
+              <a:rPr lang="ko-KR" altLang="en-US" sz="2800" dirty="0" err="1">
                 <a:latin typeface="배달의민족 주아" pitchFamily="18" charset="-127"/>
                 <a:ea typeface="배달의민족 주아" pitchFamily="18" charset="-127"/>
               </a:rPr>
               <a:t>이미지등의</a:t>
             </a:r>
             <a:r>
-              <a:rPr lang="ko-KR" altLang="en-US" sz="2800" dirty="0" smtClean="0">
+              <a:rPr lang="ko-KR" altLang="en-US" sz="2800" dirty="0">
                 <a:latin typeface="배달의민족 주아" pitchFamily="18" charset="-127"/>
                 <a:ea typeface="배달의민족 주아" pitchFamily="18" charset="-127"/>
               </a:rPr>
               <a:t> 실제 내용이 위치하는 영역 </a:t>
             </a:r>
-            <a:endParaRPr lang="en-US" altLang="ko-KR" sz="2800" dirty="0" smtClean="0">
+            <a:endParaRPr lang="en-US" altLang="ko-KR" sz="2800" dirty="0">
               <a:latin typeface="배달의민족 주아" pitchFamily="18" charset="-127"/>
               <a:ea typeface="배달의민족 주아" pitchFamily="18" charset="-127"/>
             </a:endParaRPr>
           </a:p>
           <a:p>
             <a:r>
-              <a:rPr lang="en-US" altLang="ko-KR" sz="2800" dirty="0" smtClean="0">
+              <a:rPr lang="en-US" altLang="ko-KR" sz="2800" dirty="0">
                 <a:solidFill>
                   <a:schemeClr val="accent5"/>
                 </a:solidFill>
@@ -10970,14 +10789,14 @@
               <a:t>width, height </a:t>
             </a:r>
             <a:r>
-              <a:rPr lang="ko-KR" altLang="en-US" sz="2800" dirty="0" smtClean="0">
+              <a:rPr lang="ko-KR" altLang="en-US" sz="2800" dirty="0">
                 <a:latin typeface="배달의민족 주아" pitchFamily="18" charset="-127"/>
                 <a:ea typeface="배달의민족 주아" pitchFamily="18" charset="-127"/>
               </a:rPr>
               <a:t>속성을 갖고 있다</a:t>
             </a:r>
             <a:r>
-              <a:rPr lang="en-US" altLang="ko-KR" sz="2800" dirty="0" smtClean="0">
+              <a:rPr lang="en-US" altLang="ko-KR" sz="2800" dirty="0">
                 <a:latin typeface="배달의민족 주아" pitchFamily="18" charset="-127"/>
                 <a:ea typeface="배달의민족 주아" pitchFamily="18" charset="-127"/>
               </a:rPr>
@@ -11015,23 +10834,19 @@
           <a:p>
             <a:pPr algn="ctr"/>
             <a:r>
-              <a:rPr lang="en-US" altLang="ko-KR" dirty="0" smtClean="0">
+              <a:rPr lang="en-US" altLang="ko-KR" dirty="0">
                 <a:latin typeface="배달의민족 주아" pitchFamily="18" charset="-127"/>
                 <a:ea typeface="배달의민족 주아" pitchFamily="18" charset="-127"/>
               </a:rPr>
               <a:t>Content </a:t>
             </a:r>
             <a:r>
-              <a:rPr lang="ko-KR" altLang="en-US" dirty="0" smtClean="0">
+              <a:rPr lang="ko-KR" altLang="en-US" dirty="0">
                 <a:latin typeface="배달의민족 주아" pitchFamily="18" charset="-127"/>
                 <a:ea typeface="배달의민족 주아" pitchFamily="18" charset="-127"/>
               </a:rPr>
               <a:t>영역</a:t>
             </a:r>
-            <a:endParaRPr lang="ko-KR" altLang="en-US" dirty="0">
-              <a:latin typeface="배달의민족 주아" pitchFamily="18" charset="-127"/>
-              <a:ea typeface="배달의민족 주아" pitchFamily="18" charset="-127"/>
-            </a:endParaRPr>
           </a:p>
         </p:txBody>
       </p:sp>
@@ -11268,7 +11083,7 @@
           </a:lstStyle>
           <a:p>
             <a:r>
-              <a:rPr lang="en-US" altLang="ko-KR" dirty="0" smtClean="0">
+              <a:rPr lang="en-US" altLang="ko-KR" dirty="0">
                 <a:solidFill>
                   <a:schemeClr val="accent5"/>
                 </a:solidFill>
@@ -11278,14 +11093,14 @@
               <a:t>S</a:t>
             </a:r>
             <a:r>
-              <a:rPr lang="en-US" altLang="ko-KR" dirty="0" smtClean="0">
+              <a:rPr lang="en-US" altLang="ko-KR" dirty="0">
                 <a:latin typeface="배달의민족 도현" pitchFamily="50" charset="-127"/>
                 <a:ea typeface="배달의민족 도현" pitchFamily="50" charset="-127"/>
               </a:rPr>
               <a:t>TART</a:t>
             </a:r>
             <a:r>
-              <a:rPr lang="en-US" altLang="ko-KR" dirty="0" smtClean="0">
+              <a:rPr lang="en-US" altLang="ko-KR" dirty="0">
                 <a:solidFill>
                   <a:schemeClr val="accent5"/>
                 </a:solidFill>
@@ -11295,7 +11110,7 @@
               <a:t>C</a:t>
             </a:r>
             <a:r>
-              <a:rPr lang="en-US" altLang="ko-KR" dirty="0" smtClean="0">
+              <a:rPr lang="en-US" altLang="ko-KR" dirty="0">
                 <a:latin typeface="배달의민족 도현" pitchFamily="50" charset="-127"/>
                 <a:ea typeface="배달의민족 도현" pitchFamily="50" charset="-127"/>
               </a:rPr>
@@ -11347,7 +11162,7 @@
           </a:lstStyle>
           <a:p>
             <a:r>
-              <a:rPr lang="ko-KR" altLang="en-US" sz="3600" dirty="0" smtClean="0">
+              <a:rPr lang="ko-KR" altLang="en-US" sz="3600" dirty="0">
                 <a:latin typeface="배달의민족 주아" pitchFamily="18" charset="-127"/>
                 <a:ea typeface="배달의민족 주아" pitchFamily="18" charset="-127"/>
               </a:rPr>
@@ -11360,28 +11175,24 @@
               </a:rPr>
               <a:t> </a:t>
             </a:r>
-            <a:endParaRPr lang="en-US" altLang="ko-KR" sz="3600" dirty="0" smtClean="0">
-              <a:latin typeface="배달의민족 주아" pitchFamily="18" charset="-127"/>
-              <a:ea typeface="배달의민족 주아" pitchFamily="18" charset="-127"/>
-            </a:endParaRPr>
-          </a:p>
-          <a:p>
-            <a:r>
-              <a:rPr lang="en-US" altLang="ko-KR" sz="3600" dirty="0" smtClean="0">
+          </a:p>
+          <a:p>
+            <a:r>
+              <a:rPr lang="en-US" altLang="ko-KR" sz="3600" dirty="0">
                 <a:latin typeface="배달의민족 주아" pitchFamily="18" charset="-127"/>
                 <a:ea typeface="배달의민족 주아" pitchFamily="18" charset="-127"/>
               </a:rPr>
               <a:t>content</a:t>
             </a:r>
             <a:r>
-              <a:rPr lang="ko-KR" altLang="en-US" sz="3600" dirty="0" smtClean="0">
+              <a:rPr lang="ko-KR" altLang="en-US" sz="3600" dirty="0">
                 <a:latin typeface="배달의민족 주아" pitchFamily="18" charset="-127"/>
                 <a:ea typeface="배달의민족 주아" pitchFamily="18" charset="-127"/>
               </a:rPr>
               <a:t>와의 </a:t>
             </a:r>
             <a:r>
-              <a:rPr lang="ko-KR" altLang="en-US" sz="3600" dirty="0" smtClean="0">
+              <a:rPr lang="ko-KR" altLang="en-US" sz="3600" dirty="0">
                 <a:solidFill>
                   <a:schemeClr val="accent5"/>
                 </a:solidFill>
@@ -11391,62 +11202,58 @@
               <a:t>간격</a:t>
             </a:r>
             <a:r>
-              <a:rPr lang="ko-KR" altLang="en-US" sz="3600" dirty="0" smtClean="0">
+              <a:rPr lang="ko-KR" altLang="en-US" sz="3600" dirty="0">
                 <a:latin typeface="배달의민족 주아" pitchFamily="18" charset="-127"/>
                 <a:ea typeface="배달의민족 주아" pitchFamily="18" charset="-127"/>
               </a:rPr>
               <a:t>을 조절하기 위해서 사용</a:t>
             </a:r>
             <a:r>
-              <a:rPr lang="en-US" altLang="ko-KR" sz="3600" dirty="0" smtClean="0">
+              <a:rPr lang="en-US" altLang="ko-KR" sz="3600" dirty="0">
                 <a:latin typeface="배달의민족 주아" pitchFamily="18" charset="-127"/>
                 <a:ea typeface="배달의민족 주아" pitchFamily="18" charset="-127"/>
               </a:rPr>
               <a:t>. </a:t>
             </a:r>
-            <a:endParaRPr lang="en-US" altLang="ko-KR" sz="3600" dirty="0">
-              <a:latin typeface="배달의민족 주아" pitchFamily="18" charset="-127"/>
-              <a:ea typeface="배달의민족 주아" pitchFamily="18" charset="-127"/>
-            </a:endParaRPr>
-          </a:p>
-          <a:p>
-            <a:r>
-              <a:rPr lang="ko-KR" altLang="en-US" sz="3600" dirty="0" smtClean="0">
+          </a:p>
+          <a:p>
+            <a:r>
+              <a:rPr lang="ko-KR" altLang="en-US" sz="3600" dirty="0">
                 <a:latin typeface="배달의민족 주아" pitchFamily="18" charset="-127"/>
                 <a:ea typeface="배달의민족 주아" pitchFamily="18" charset="-127"/>
               </a:rPr>
               <a:t>배경색</a:t>
             </a:r>
             <a:r>
-              <a:rPr lang="en-US" altLang="ko-KR" sz="3600" dirty="0" smtClean="0">
+              <a:rPr lang="en-US" altLang="ko-KR" sz="3600" dirty="0">
                 <a:latin typeface="배달의민족 주아" pitchFamily="18" charset="-127"/>
                 <a:ea typeface="배달의민족 주아" pitchFamily="18" charset="-127"/>
               </a:rPr>
               <a:t>, </a:t>
             </a:r>
             <a:r>
-              <a:rPr lang="ko-KR" altLang="en-US" sz="3600" dirty="0" smtClean="0">
+              <a:rPr lang="ko-KR" altLang="en-US" sz="3600" dirty="0">
                 <a:latin typeface="배달의민족 주아" pitchFamily="18" charset="-127"/>
                 <a:ea typeface="배달의민족 주아" pitchFamily="18" charset="-127"/>
               </a:rPr>
               <a:t>이미지는 </a:t>
             </a:r>
             <a:r>
-              <a:rPr lang="en-US" altLang="ko-KR" sz="3600" dirty="0" smtClean="0">
+              <a:rPr lang="en-US" altLang="ko-KR" sz="3600" dirty="0">
                 <a:latin typeface="배달의민족 주아" pitchFamily="18" charset="-127"/>
                 <a:ea typeface="배달의민족 주아" pitchFamily="18" charset="-127"/>
               </a:rPr>
               <a:t>Padding </a:t>
             </a:r>
             <a:r>
-              <a:rPr lang="ko-KR" altLang="en-US" sz="3600" dirty="0" smtClean="0">
+              <a:rPr lang="ko-KR" altLang="en-US" sz="3600" dirty="0">
                 <a:latin typeface="배달의민족 주아" pitchFamily="18" charset="-127"/>
                 <a:ea typeface="배달의민족 주아" pitchFamily="18" charset="-127"/>
               </a:rPr>
               <a:t>영역까지 적용된다</a:t>
             </a:r>
             <a:r>
-              <a:rPr lang="en-US" altLang="ko-KR" sz="3600" dirty="0" smtClean="0">
+              <a:rPr lang="en-US" altLang="ko-KR" sz="3600" dirty="0">
                 <a:latin typeface="배달의민족 주아" pitchFamily="18" charset="-127"/>
                 <a:ea typeface="배달의민족 주아" pitchFamily="18" charset="-127"/>
               </a:rPr>
@@ -11484,20 +11291,20 @@
           <a:p>
             <a:pPr algn="ctr"/>
             <a:r>
-              <a:rPr lang="en-US" altLang="ko-KR" dirty="0" smtClean="0">
+              <a:rPr lang="en-US" altLang="ko-KR" dirty="0">
                 <a:latin typeface="배달의민족 주아" pitchFamily="18" charset="-127"/>
                 <a:ea typeface="배달의민족 주아" pitchFamily="18" charset="-127"/>
               </a:rPr>
               <a:t>Padding </a:t>
             </a:r>
             <a:r>
-              <a:rPr lang="ko-KR" altLang="en-US" dirty="0" smtClean="0">
+              <a:rPr lang="ko-KR" altLang="en-US" dirty="0">
                 <a:latin typeface="배달의민족 주아" pitchFamily="18" charset="-127"/>
                 <a:ea typeface="배달의민족 주아" pitchFamily="18" charset="-127"/>
               </a:rPr>
               <a:t>영역</a:t>
             </a:r>
-            <a:endParaRPr lang="en-US" altLang="ko-KR" dirty="0" smtClean="0">
+            <a:endParaRPr lang="en-US" altLang="ko-KR" dirty="0">
               <a:latin typeface="배달의민족 주아" pitchFamily="18" charset="-127"/>
               <a:ea typeface="배달의민족 주아" pitchFamily="18" charset="-127"/>
             </a:endParaRPr>
@@ -11511,7 +11318,7 @@
           </a:p>
           <a:p>
             <a:pPr algn="ctr"/>
-            <a:endParaRPr lang="en-US" altLang="ko-KR" dirty="0" smtClean="0">
+            <a:endParaRPr lang="en-US" altLang="ko-KR" dirty="0">
               <a:latin typeface="배달의민족 주아" pitchFamily="18" charset="-127"/>
               <a:ea typeface="배달의민족 주아" pitchFamily="18" charset="-127"/>
             </a:endParaRPr>
@@ -11554,23 +11361,19 @@
           <a:p>
             <a:pPr algn="ctr"/>
             <a:r>
-              <a:rPr lang="en-US" altLang="ko-KR" dirty="0" smtClean="0">
+              <a:rPr lang="en-US" altLang="ko-KR" dirty="0">
                 <a:latin typeface="배달의민족 주아" pitchFamily="18" charset="-127"/>
                 <a:ea typeface="배달의민족 주아" pitchFamily="18" charset="-127"/>
               </a:rPr>
               <a:t>Content </a:t>
             </a:r>
             <a:r>
-              <a:rPr lang="ko-KR" altLang="en-US" dirty="0" smtClean="0">
+              <a:rPr lang="ko-KR" altLang="en-US" dirty="0">
                 <a:latin typeface="배달의민족 주아" pitchFamily="18" charset="-127"/>
                 <a:ea typeface="배달의민족 주아" pitchFamily="18" charset="-127"/>
               </a:rPr>
               <a:t>영역</a:t>
             </a:r>
-            <a:endParaRPr lang="ko-KR" altLang="en-US" dirty="0">
-              <a:latin typeface="배달의민족 주아" pitchFamily="18" charset="-127"/>
-              <a:ea typeface="배달의민족 주아" pitchFamily="18" charset="-127"/>
-            </a:endParaRPr>
           </a:p>
         </p:txBody>
       </p:sp>
